--- a/INFS 774 Junxiang Technical Architecture.pptx
+++ b/INFS 774 Junxiang Technical Architecture.pptx
@@ -480,6 +480,274 @@
     </a:lvl9pPr>
   </p:notesStyle>
 </p:notesMaster>
+</file>
+
+<file path=ppt/notesSlides/notesSlide1.xml><?xml version="1.0" encoding="utf-8"?>
+<p:notes xmlns:a="http://schemas.openxmlformats.org/drawingml/2006/main" xmlns:r="http://schemas.openxmlformats.org/officeDocument/2006/relationships" xmlns:p="http://schemas.openxmlformats.org/presentationml/2006/main">
+  <p:cSld>
+    <p:spTree>
+      <p:nvGrpSpPr>
+        <p:cNvPr id="1" name=""/>
+        <p:cNvGrpSpPr/>
+        <p:nvPr/>
+      </p:nvGrpSpPr>
+      <p:grpSpPr>
+        <a:xfrm>
+          <a:off x="0" y="0"/>
+          <a:ext cx="0" cy="0"/>
+          <a:chOff x="0" y="0"/>
+          <a:chExt cx="0" cy="0"/>
+        </a:xfrm>
+      </p:grpSpPr>
+      <p:sp>
+        <p:nvSpPr>
+          <p:cNvPr id="2" name="幻灯片图像占位符 1"/>
+          <p:cNvSpPr>
+            <a:spLocks noGrp="1" noRot="1" noChangeAspect="1"/>
+          </p:cNvSpPr>
+          <p:nvPr>
+            <p:ph type="sldImg"/>
+          </p:nvPr>
+        </p:nvSpPr>
+        <p:spPr/>
+      </p:sp>
+      <p:sp>
+        <p:nvSpPr>
+          <p:cNvPr id="3" name="备注占位符 2"/>
+          <p:cNvSpPr>
+            <a:spLocks noGrp="1"/>
+          </p:cNvSpPr>
+          <p:nvPr>
+            <p:ph type="body" idx="1"/>
+          </p:nvPr>
+        </p:nvSpPr>
+        <p:spPr/>
+        <p:txBody>
+          <a:bodyPr/>
+          <a:lstStyle/>
+          <a:p>
+            <a:r>
+              <a:rPr lang="en-US" altLang="zh-CN" dirty="0" smtClean="0"/>
+              <a:t>deleted</a:t>
+            </a:r>
+            <a:endParaRPr lang="zh-CN" altLang="en-US" dirty="0"/>
+          </a:p>
+        </p:txBody>
+      </p:sp>
+      <p:sp>
+        <p:nvSpPr>
+          <p:cNvPr id="4" name="灯片编号占位符 3"/>
+          <p:cNvSpPr>
+            <a:spLocks noGrp="1"/>
+          </p:cNvSpPr>
+          <p:nvPr>
+            <p:ph type="sldNum" sz="quarter" idx="10"/>
+          </p:nvPr>
+        </p:nvSpPr>
+        <p:spPr/>
+        <p:txBody>
+          <a:bodyPr/>
+          <a:lstStyle/>
+          <a:p>
+            <a:fld id="{D7EC0FE3-6C6A-4405-A54B-19E07F894716}" type="slidenum">
+              <a:rPr lang="zh-CN" altLang="en-US" smtClean="0"/>
+              <a:t>13</a:t>
+            </a:fld>
+            <a:endParaRPr lang="zh-CN" altLang="en-US"/>
+          </a:p>
+        </p:txBody>
+      </p:sp>
+    </p:spTree>
+    <p:extLst>
+      <p:ext uri="{BB962C8B-B14F-4D97-AF65-F5344CB8AC3E}">
+        <p14:creationId xmlns:p14="http://schemas.microsoft.com/office/powerpoint/2010/main" val="1277385762"/>
+      </p:ext>
+    </p:extLst>
+  </p:cSld>
+  <p:clrMapOvr>
+    <a:masterClrMapping/>
+  </p:clrMapOvr>
+</p:notes>
+</file>
+
+<file path=ppt/notesSlides/notesSlide2.xml><?xml version="1.0" encoding="utf-8"?>
+<p:notes xmlns:a="http://schemas.openxmlformats.org/drawingml/2006/main" xmlns:r="http://schemas.openxmlformats.org/officeDocument/2006/relationships" xmlns:p="http://schemas.openxmlformats.org/presentationml/2006/main">
+  <p:cSld>
+    <p:spTree>
+      <p:nvGrpSpPr>
+        <p:cNvPr id="1" name=""/>
+        <p:cNvGrpSpPr/>
+        <p:nvPr/>
+      </p:nvGrpSpPr>
+      <p:grpSpPr>
+        <a:xfrm>
+          <a:off x="0" y="0"/>
+          <a:ext cx="0" cy="0"/>
+          <a:chOff x="0" y="0"/>
+          <a:chExt cx="0" cy="0"/>
+        </a:xfrm>
+      </p:grpSpPr>
+      <p:sp>
+        <p:nvSpPr>
+          <p:cNvPr id="2" name="幻灯片图像占位符 1"/>
+          <p:cNvSpPr>
+            <a:spLocks noGrp="1" noRot="1" noChangeAspect="1"/>
+          </p:cNvSpPr>
+          <p:nvPr>
+            <p:ph type="sldImg"/>
+          </p:nvPr>
+        </p:nvSpPr>
+        <p:spPr/>
+      </p:sp>
+      <p:sp>
+        <p:nvSpPr>
+          <p:cNvPr id="3" name="备注占位符 2"/>
+          <p:cNvSpPr>
+            <a:spLocks noGrp="1"/>
+          </p:cNvSpPr>
+          <p:nvPr>
+            <p:ph type="body" idx="1"/>
+          </p:nvPr>
+        </p:nvSpPr>
+        <p:spPr/>
+        <p:txBody>
+          <a:bodyPr/>
+          <a:lstStyle/>
+          <a:p>
+            <a:r>
+              <a:rPr lang="en-US" altLang="zh-CN" dirty="0" smtClean="0"/>
+              <a:t>deleted</a:t>
+            </a:r>
+            <a:endParaRPr lang="zh-CN" altLang="en-US" dirty="0"/>
+          </a:p>
+        </p:txBody>
+      </p:sp>
+      <p:sp>
+        <p:nvSpPr>
+          <p:cNvPr id="4" name="灯片编号占位符 3"/>
+          <p:cNvSpPr>
+            <a:spLocks noGrp="1"/>
+          </p:cNvSpPr>
+          <p:nvPr>
+            <p:ph type="sldNum" sz="quarter" idx="10"/>
+          </p:nvPr>
+        </p:nvSpPr>
+        <p:spPr/>
+        <p:txBody>
+          <a:bodyPr/>
+          <a:lstStyle/>
+          <a:p>
+            <a:fld id="{D7EC0FE3-6C6A-4405-A54B-19E07F894716}" type="slidenum">
+              <a:rPr lang="zh-CN" altLang="en-US" smtClean="0"/>
+              <a:t>14</a:t>
+            </a:fld>
+            <a:endParaRPr lang="zh-CN" altLang="en-US"/>
+          </a:p>
+        </p:txBody>
+      </p:sp>
+    </p:spTree>
+    <p:extLst>
+      <p:ext uri="{BB962C8B-B14F-4D97-AF65-F5344CB8AC3E}">
+        <p14:creationId xmlns:p14="http://schemas.microsoft.com/office/powerpoint/2010/main" val="1944933229"/>
+      </p:ext>
+    </p:extLst>
+  </p:cSld>
+  <p:clrMapOvr>
+    <a:masterClrMapping/>
+  </p:clrMapOvr>
+</p:notes>
+</file>
+
+<file path=ppt/notesSlides/notesSlide3.xml><?xml version="1.0" encoding="utf-8"?>
+<p:notes xmlns:a="http://schemas.openxmlformats.org/drawingml/2006/main" xmlns:r="http://schemas.openxmlformats.org/officeDocument/2006/relationships" xmlns:p="http://schemas.openxmlformats.org/presentationml/2006/main">
+  <p:cSld>
+    <p:spTree>
+      <p:nvGrpSpPr>
+        <p:cNvPr id="1" name=""/>
+        <p:cNvGrpSpPr/>
+        <p:nvPr/>
+      </p:nvGrpSpPr>
+      <p:grpSpPr>
+        <a:xfrm>
+          <a:off x="0" y="0"/>
+          <a:ext cx="0" cy="0"/>
+          <a:chOff x="0" y="0"/>
+          <a:chExt cx="0" cy="0"/>
+        </a:xfrm>
+      </p:grpSpPr>
+      <p:sp>
+        <p:nvSpPr>
+          <p:cNvPr id="2" name="幻灯片图像占位符 1"/>
+          <p:cNvSpPr>
+            <a:spLocks noGrp="1" noRot="1" noChangeAspect="1"/>
+          </p:cNvSpPr>
+          <p:nvPr>
+            <p:ph type="sldImg"/>
+          </p:nvPr>
+        </p:nvSpPr>
+        <p:spPr/>
+      </p:sp>
+      <p:sp>
+        <p:nvSpPr>
+          <p:cNvPr id="3" name="备注占位符 2"/>
+          <p:cNvSpPr>
+            <a:spLocks noGrp="1"/>
+          </p:cNvSpPr>
+          <p:nvPr>
+            <p:ph type="body" idx="1"/>
+          </p:nvPr>
+        </p:nvSpPr>
+        <p:spPr/>
+        <p:txBody>
+          <a:bodyPr/>
+          <a:lstStyle/>
+          <a:p>
+            <a:r>
+              <a:rPr lang="en-US" altLang="zh-CN" dirty="0" smtClean="0"/>
+              <a:t>Mention touch</a:t>
+            </a:r>
+            <a:r>
+              <a:rPr lang="en-US" altLang="zh-CN" baseline="0" dirty="0" smtClean="0"/>
+              <a:t> point canvassing</a:t>
+            </a:r>
+            <a:endParaRPr lang="zh-CN" altLang="en-US" dirty="0"/>
+          </a:p>
+        </p:txBody>
+      </p:sp>
+      <p:sp>
+        <p:nvSpPr>
+          <p:cNvPr id="4" name="灯片编号占位符 3"/>
+          <p:cNvSpPr>
+            <a:spLocks noGrp="1"/>
+          </p:cNvSpPr>
+          <p:nvPr>
+            <p:ph type="sldNum" sz="quarter" idx="10"/>
+          </p:nvPr>
+        </p:nvSpPr>
+        <p:spPr/>
+        <p:txBody>
+          <a:bodyPr/>
+          <a:lstStyle/>
+          <a:p>
+            <a:fld id="{D7EC0FE3-6C6A-4405-A54B-19E07F894716}" type="slidenum">
+              <a:rPr lang="zh-CN" altLang="en-US" smtClean="0"/>
+              <a:t>15</a:t>
+            </a:fld>
+            <a:endParaRPr lang="zh-CN" altLang="en-US"/>
+          </a:p>
+        </p:txBody>
+      </p:sp>
+    </p:spTree>
+    <p:extLst>
+      <p:ext uri="{BB962C8B-B14F-4D97-AF65-F5344CB8AC3E}">
+        <p14:creationId xmlns:p14="http://schemas.microsoft.com/office/powerpoint/2010/main" val="1167310913"/>
+      </p:ext>
+    </p:extLst>
+  </p:cSld>
+  <p:clrMapOvr>
+    <a:masterClrMapping/>
+  </p:clrMapOvr>
+</p:notes>
 </file>
 
 <file path=ppt/slideLayouts/slideLayout1.xml><?xml version="1.0" encoding="utf-8"?>
@@ -3571,18 +3839,7 @@
                 <a:ea typeface="+mj-ea"/>
                 <a:cs typeface="+mj-cs"/>
               </a:rPr>
-              <a:t>May 1st</a:t>
-            </a:r>
-            <a:r>
-              <a:rPr lang="en-US" altLang="zh-CN" sz="2400" dirty="0" smtClean="0">
-                <a:solidFill>
-                  <a:schemeClr val="tx1"/>
-                </a:solidFill>
-                <a:latin typeface="+mj-lt"/>
-                <a:ea typeface="+mj-ea"/>
-                <a:cs typeface="+mj-cs"/>
-              </a:rPr>
-              <a:t>, </a:t>
+              <a:t>May 1st, </a:t>
             </a:r>
             <a:r>
               <a:rPr lang="en-US" altLang="zh-CN" sz="2400" dirty="0">
@@ -3773,6 +4030,13 @@
   <p:clrMapOvr>
     <a:masterClrMapping/>
   </p:clrMapOvr>
+  <p:timing>
+    <p:tnLst>
+      <p:par>
+        <p:cTn id="1" dur="indefinite" restart="never" nodeType="tmRoot"/>
+      </p:par>
+    </p:tnLst>
+  </p:timing>
 </p:sld>
 </file>
 
@@ -4014,6 +4278,13 @@
   <p:clrMapOvr>
     <a:masterClrMapping/>
   </p:clrMapOvr>
+  <p:timing>
+    <p:tnLst>
+      <p:par>
+        <p:cTn id="1" dur="indefinite" restart="never" nodeType="tmRoot"/>
+      </p:par>
+    </p:tnLst>
+  </p:timing>
 </p:sld>
 </file>
 
@@ -4142,6 +4413,13 @@
   <p:clrMapOvr>
     <a:masterClrMapping/>
   </p:clrMapOvr>
+  <p:timing>
+    <p:tnLst>
+      <p:par>
+        <p:cTn id="1" dur="indefinite" restart="never" nodeType="tmRoot"/>
+      </p:par>
+    </p:tnLst>
+  </p:timing>
 </p:sld>
 </file>
 
@@ -4269,7 +4547,7 @@
           <p:nvPr/>
         </p:nvPicPr>
         <p:blipFill>
-          <a:blip r:embed="rId2"/>
+          <a:blip r:embed="rId3"/>
           <a:stretch>
             <a:fillRect/>
           </a:stretch>
@@ -4294,6 +4572,13 @@
   <p:clrMapOvr>
     <a:masterClrMapping/>
   </p:clrMapOvr>
+  <p:timing>
+    <p:tnLst>
+      <p:par>
+        <p:cTn id="1" dur="indefinite" restart="never" nodeType="tmRoot"/>
+      </p:par>
+    </p:tnLst>
+  </p:timing>
 </p:sld>
 </file>
 
@@ -4420,7 +4705,7 @@
           <p:nvPr/>
         </p:nvPicPr>
         <p:blipFill>
-          <a:blip r:embed="rId2">
+          <a:blip r:embed="rId3">
             <a:extLst>
               <a:ext uri="{28A0092B-C50C-407E-A947-70E740481C1C}">
                 <a14:useLocalDpi xmlns:a14="http://schemas.microsoft.com/office/drawing/2010/main" val="0"/>
@@ -4485,6 +4770,13 @@
   <p:clrMapOvr>
     <a:masterClrMapping/>
   </p:clrMapOvr>
+  <p:timing>
+    <p:tnLst>
+      <p:par>
+        <p:cTn id="1" dur="indefinite" restart="never" nodeType="tmRoot"/>
+      </p:par>
+    </p:tnLst>
+  </p:timing>
 </p:sld>
 </file>
 
@@ -4603,7 +4895,7 @@
           <p:nvPr/>
         </p:nvPicPr>
         <p:blipFill>
-          <a:blip r:embed="rId2"/>
+          <a:blip r:embed="rId3"/>
           <a:stretch>
             <a:fillRect/>
           </a:stretch>
@@ -4628,6 +4920,13 @@
   <p:clrMapOvr>
     <a:masterClrMapping/>
   </p:clrMapOvr>
+  <p:timing>
+    <p:tnLst>
+      <p:par>
+        <p:cTn id="1" dur="indefinite" restart="never" nodeType="tmRoot"/>
+      </p:par>
+    </p:tnLst>
+  </p:timing>
 </p:sld>
 </file>
 
@@ -4719,7 +5018,7 @@
         </p:nvGraphicFramePr>
         <p:xfrm>
           <a:off x="611560" y="1916832"/>
-          <a:ext cx="8208912" cy="4502341"/>
+          <a:ext cx="8208912" cy="4539425"/>
         </p:xfrm>
         <a:graphic>
           <a:graphicData uri="http://schemas.openxmlformats.org/drawingml/2006/table">
@@ -5007,6 +5306,13 @@
   <p:clrMapOvr>
     <a:masterClrMapping/>
   </p:clrMapOvr>
+  <p:timing>
+    <p:tnLst>
+      <p:par>
+        <p:cTn id="1" dur="indefinite" restart="never" nodeType="tmRoot"/>
+      </p:par>
+    </p:tnLst>
+  </p:timing>
 </p:sld>
 </file>
 
@@ -5456,6 +5762,13 @@
   <p:clrMapOvr>
     <a:masterClrMapping/>
   </p:clrMapOvr>
+  <p:timing>
+    <p:tnLst>
+      <p:par>
+        <p:cTn id="1" dur="indefinite" restart="never" nodeType="tmRoot"/>
+      </p:par>
+    </p:tnLst>
+  </p:timing>
 </p:sld>
 </file>
 
@@ -5630,6 +5943,13 @@
   <p:clrMapOvr>
     <a:masterClrMapping/>
   </p:clrMapOvr>
+  <p:timing>
+    <p:tnLst>
+      <p:par>
+        <p:cTn id="1" dur="indefinite" restart="never" nodeType="tmRoot"/>
+      </p:par>
+    </p:tnLst>
+  </p:timing>
 </p:sld>
 </file>
 
@@ -5799,6 +6119,13 @@
   <p:clrMapOvr>
     <a:masterClrMapping/>
   </p:clrMapOvr>
+  <p:timing>
+    <p:tnLst>
+      <p:par>
+        <p:cTn id="1" dur="indefinite" restart="never" nodeType="tmRoot"/>
+      </p:par>
+    </p:tnLst>
+  </p:timing>
 </p:sld>
 </file>
 
@@ -5851,38 +6178,19 @@
               <a:t>Standards</a:t>
             </a:r>
             <a:r>
-              <a:rPr lang="en-US" altLang="zh-CN" sz="3600" dirty="0" smtClean="0"/>
+              <a:rPr lang="en-US" altLang="zh-CN" sz="3600" smtClean="0"/>
               <a:t/>
             </a:r>
             <a:br>
-              <a:rPr lang="en-US" altLang="zh-CN" sz="3600" dirty="0" smtClean="0"/>
+              <a:rPr lang="en-US" altLang="zh-CN" sz="3600" smtClean="0"/>
             </a:br>
             <a:r>
-              <a:rPr lang="en-US" altLang="zh-CN" sz="3600" dirty="0" smtClean="0"/>
+              <a:rPr lang="en-US" altLang="zh-CN" sz="3600" smtClean="0"/>
               <a:t>2. </a:t>
-            </a:r>
-            <a:r>
-              <a:rPr lang="en-US" altLang="zh-CN" sz="3600" dirty="0" smtClean="0"/>
-              <a:t>Transition Approach</a:t>
-            </a:r>
-            <a:r>
-              <a:rPr lang="en-US" altLang="zh-CN" sz="3600" dirty="0" smtClean="0"/>
-              <a:t/>
-            </a:r>
-            <a:br>
-              <a:rPr lang="en-US" altLang="zh-CN" sz="3600" dirty="0" smtClean="0"/>
-            </a:br>
-            <a:r>
-              <a:rPr lang="en-US" altLang="zh-CN" sz="3600" dirty="0" smtClean="0"/>
-              <a:t>3. </a:t>
             </a:r>
             <a:r>
               <a:rPr lang="en-US" altLang="zh-CN" sz="3600" dirty="0" smtClean="0"/>
               <a:t>Current Architecture VS Target Architecture</a:t>
-            </a:r>
-            <a:r>
-              <a:rPr lang="en-US" altLang="zh-CN" sz="3600" dirty="0" smtClean="0"/>
-              <a:t/>
             </a:r>
             <a:br>
               <a:rPr lang="en-US" altLang="zh-CN" sz="3600" dirty="0" smtClean="0"/>
@@ -6064,8 +6372,8 @@
         </p:blipFill>
         <p:spPr>
           <a:xfrm>
-            <a:off x="971600" y="2492896"/>
-            <a:ext cx="7128792" cy="2880320"/>
+            <a:off x="971600" y="1700808"/>
+            <a:ext cx="7560840" cy="3888432"/>
           </a:xfrm>
           <a:prstGeom prst="rect">
             <a:avLst/>
@@ -6082,6 +6390,13 @@
   <p:clrMapOvr>
     <a:masterClrMapping/>
   </p:clrMapOvr>
+  <p:timing>
+    <p:tnLst>
+      <p:par>
+        <p:cTn id="1" dur="indefinite" restart="never" nodeType="tmRoot"/>
+      </p:par>
+    </p:tnLst>
+  </p:timing>
 </p:sld>
 </file>
 
@@ -6435,6 +6750,13 @@
   <p:clrMapOvr>
     <a:masterClrMapping/>
   </p:clrMapOvr>
+  <p:timing>
+    <p:tnLst>
+      <p:par>
+        <p:cTn id="1" dur="indefinite" restart="never" nodeType="tmRoot"/>
+      </p:par>
+    </p:tnLst>
+  </p:timing>
 </p:sld>
 </file>
 
@@ -6508,11 +6830,7 @@
           <a:p>
             <a:r>
               <a:rPr lang="en-US" altLang="zh-CN" dirty="0"/>
-              <a:t>Quality Architecture</a:t>
-            </a:r>
-            <a:r>
-              <a:rPr lang="en-US" altLang="zh-CN" dirty="0"/>
-              <a:t> </a:t>
+              <a:t>Quality Architecture </a:t>
             </a:r>
             <a:endParaRPr lang="en-US" altLang="zh-CN" dirty="0" smtClean="0"/>
           </a:p>
@@ -6721,6 +7039,13 @@
   <p:clrMapOvr>
     <a:masterClrMapping/>
   </p:clrMapOvr>
+  <p:timing>
+    <p:tnLst>
+      <p:par>
+        <p:cTn id="1" dur="indefinite" restart="never" nodeType="tmRoot"/>
+      </p:par>
+    </p:tnLst>
+  </p:timing>
 </p:sld>
 </file>
 
@@ -6882,11 +7207,15 @@
             </a:r>
             <a:r>
               <a:rPr lang="en-US" altLang="zh-CN" sz="2200" dirty="0"/>
-              <a:t>IT infrastructure a combination of tools and methods such as hardware and software to help to develop, deliver and test IT services</a:t>
+              <a:t>IT infrastructure </a:t>
+            </a:r>
+            <a:r>
+              <a:rPr lang="en-US" altLang="zh-CN" sz="2200" dirty="0" smtClean="0"/>
+              <a:t>is a </a:t>
             </a:r>
             <a:r>
               <a:rPr lang="en-US" altLang="zh-CN" sz="2200" dirty="0"/>
-              <a:t>.</a:t>
+              <a:t>combination of tools and methods such as hardware and software to help to develop, deliver and test IT services.</a:t>
             </a:r>
           </a:p>
           <a:p>
@@ -6896,11 +7225,7 @@
             </a:pPr>
             <a:r>
               <a:rPr lang="en-US" altLang="zh-CN" sz="2200" dirty="0"/>
-              <a:t> Service </a:t>
-            </a:r>
-            <a:r>
-              <a:rPr lang="en-US" altLang="zh-CN" sz="2200" dirty="0"/>
-              <a:t>Oriented Architecture (SOA</a:t>
+              <a:t> Service Oriented Architecture (SOA</a:t>
             </a:r>
             <a:r>
               <a:rPr lang="en-US" altLang="zh-CN" sz="2200" dirty="0" smtClean="0"/>
@@ -7377,15 +7702,7 @@
             </a:r>
             <a:r>
               <a:rPr lang="en-US" altLang="zh-CN" sz="1900" dirty="0"/>
-              <a:t> to see if a commercial managed </a:t>
-            </a:r>
-            <a:r>
-              <a:rPr lang="en-US" altLang="zh-CN" sz="1900" dirty="0"/>
-              <a:t>service provider </a:t>
-            </a:r>
-            <a:r>
-              <a:rPr lang="en-US" altLang="zh-CN" sz="1900" dirty="0"/>
-              <a:t>(MSP) or COTS/</a:t>
+              <a:t> to see if a commercial managed service provider (MSP) or COTS/</a:t>
             </a:r>
             <a:r>
               <a:rPr lang="en-US" altLang="zh-CN" sz="1900" dirty="0" err="1"/>
@@ -7588,6 +7905,13 @@
   <p:clrMapOvr>
     <a:masterClrMapping/>
   </p:clrMapOvr>
+  <p:timing>
+    <p:tnLst>
+      <p:par>
+        <p:cTn id="1" dur="indefinite" restart="never" nodeType="tmRoot"/>
+      </p:par>
+    </p:tnLst>
+  </p:timing>
 </p:sld>
 </file>
 
@@ -7760,6 +8084,13 @@
   <p:clrMapOvr>
     <a:masterClrMapping/>
   </p:clrMapOvr>
+  <p:timing>
+    <p:tnLst>
+      <p:par>
+        <p:cTn id="1" dur="indefinite" restart="never" nodeType="tmRoot"/>
+      </p:par>
+    </p:tnLst>
+  </p:timing>
 </p:sld>
 </file>
 
@@ -8540,6 +8871,13 @@
   <p:clrMapOvr>
     <a:masterClrMapping/>
   </p:clrMapOvr>
+  <p:timing>
+    <p:tnLst>
+      <p:par>
+        <p:cTn id="1" dur="indefinite" restart="never" nodeType="tmRoot"/>
+      </p:par>
+    </p:tnLst>
+  </p:timing>
 </p:sld>
 </file>
 
@@ -8712,6 +9050,13 @@
   <p:clrMapOvr>
     <a:masterClrMapping/>
   </p:clrMapOvr>
+  <p:timing>
+    <p:tnLst>
+      <p:par>
+        <p:cTn id="1" dur="indefinite" restart="never" nodeType="tmRoot"/>
+      </p:par>
+    </p:tnLst>
+  </p:timing>
 </p:sld>
 </file>
 
@@ -8822,6 +9167,13 @@
   <p:clrMapOvr>
     <a:masterClrMapping/>
   </p:clrMapOvr>
+  <p:timing>
+    <p:tnLst>
+      <p:par>
+        <p:cTn id="1" dur="indefinite" restart="never" nodeType="tmRoot"/>
+      </p:par>
+    </p:tnLst>
+  </p:timing>
 </p:sld>
 </file>
 

--- a/INFS 774 Junxiang Technical Architecture.pptx
+++ b/INFS 774 Junxiang Technical Architecture.pptx
@@ -5,7 +5,7 @@
     <p:sldMasterId id="2147483648" r:id="rId1"/>
   </p:sldMasterIdLst>
   <p:notesMasterIdLst>
-    <p:notesMasterId r:id="rId25"/>
+    <p:notesMasterId r:id="rId19"/>
   </p:notesMasterIdLst>
   <p:sldIdLst>
     <p:sldId id="256" r:id="rId2"/>
@@ -19,18 +19,12 @@
     <p:sldId id="281" r:id="rId10"/>
     <p:sldId id="282" r:id="rId11"/>
     <p:sldId id="283" r:id="rId12"/>
-    <p:sldId id="284" r:id="rId13"/>
-    <p:sldId id="285" r:id="rId14"/>
-    <p:sldId id="286" r:id="rId15"/>
-    <p:sldId id="287" r:id="rId16"/>
-    <p:sldId id="288" r:id="rId17"/>
-    <p:sldId id="289" r:id="rId18"/>
-    <p:sldId id="290" r:id="rId19"/>
-    <p:sldId id="291" r:id="rId20"/>
-    <p:sldId id="292" r:id="rId21"/>
-    <p:sldId id="293" r:id="rId22"/>
-    <p:sldId id="294" r:id="rId23"/>
-    <p:sldId id="274" r:id="rId24"/>
+    <p:sldId id="290" r:id="rId13"/>
+    <p:sldId id="291" r:id="rId14"/>
+    <p:sldId id="292" r:id="rId15"/>
+    <p:sldId id="293" r:id="rId16"/>
+    <p:sldId id="294" r:id="rId17"/>
+    <p:sldId id="274" r:id="rId18"/>
   </p:sldIdLst>
   <p:sldSz cx="9144000" cy="6858000" type="screen4x3"/>
   <p:notesSz cx="6858000" cy="9144000"/>
@@ -214,7 +208,7 @@
           <a:p>
             <a:fld id="{F357FC16-C73D-4B99-A4D6-E502F96F582E}" type="datetimeFigureOut">
               <a:rPr lang="zh-CN" altLang="en-US" smtClean="0"/>
-              <a:t>2017/4/24</a:t>
+              <a:t>2017/4/30</a:t>
             </a:fld>
             <a:endParaRPr lang="zh-CN" altLang="en-US"/>
           </a:p>
@@ -482,274 +476,6 @@
 </p:notesMaster>
 </file>
 
-<file path=ppt/notesSlides/notesSlide1.xml><?xml version="1.0" encoding="utf-8"?>
-<p:notes xmlns:a="http://schemas.openxmlformats.org/drawingml/2006/main" xmlns:r="http://schemas.openxmlformats.org/officeDocument/2006/relationships" xmlns:p="http://schemas.openxmlformats.org/presentationml/2006/main">
-  <p:cSld>
-    <p:spTree>
-      <p:nvGrpSpPr>
-        <p:cNvPr id="1" name=""/>
-        <p:cNvGrpSpPr/>
-        <p:nvPr/>
-      </p:nvGrpSpPr>
-      <p:grpSpPr>
-        <a:xfrm>
-          <a:off x="0" y="0"/>
-          <a:ext cx="0" cy="0"/>
-          <a:chOff x="0" y="0"/>
-          <a:chExt cx="0" cy="0"/>
-        </a:xfrm>
-      </p:grpSpPr>
-      <p:sp>
-        <p:nvSpPr>
-          <p:cNvPr id="2" name="幻灯片图像占位符 1"/>
-          <p:cNvSpPr>
-            <a:spLocks noGrp="1" noRot="1" noChangeAspect="1"/>
-          </p:cNvSpPr>
-          <p:nvPr>
-            <p:ph type="sldImg"/>
-          </p:nvPr>
-        </p:nvSpPr>
-        <p:spPr/>
-      </p:sp>
-      <p:sp>
-        <p:nvSpPr>
-          <p:cNvPr id="3" name="备注占位符 2"/>
-          <p:cNvSpPr>
-            <a:spLocks noGrp="1"/>
-          </p:cNvSpPr>
-          <p:nvPr>
-            <p:ph type="body" idx="1"/>
-          </p:nvPr>
-        </p:nvSpPr>
-        <p:spPr/>
-        <p:txBody>
-          <a:bodyPr/>
-          <a:lstStyle/>
-          <a:p>
-            <a:r>
-              <a:rPr lang="en-US" altLang="zh-CN" dirty="0" smtClean="0"/>
-              <a:t>deleted</a:t>
-            </a:r>
-            <a:endParaRPr lang="zh-CN" altLang="en-US" dirty="0"/>
-          </a:p>
-        </p:txBody>
-      </p:sp>
-      <p:sp>
-        <p:nvSpPr>
-          <p:cNvPr id="4" name="灯片编号占位符 3"/>
-          <p:cNvSpPr>
-            <a:spLocks noGrp="1"/>
-          </p:cNvSpPr>
-          <p:nvPr>
-            <p:ph type="sldNum" sz="quarter" idx="10"/>
-          </p:nvPr>
-        </p:nvSpPr>
-        <p:spPr/>
-        <p:txBody>
-          <a:bodyPr/>
-          <a:lstStyle/>
-          <a:p>
-            <a:fld id="{D7EC0FE3-6C6A-4405-A54B-19E07F894716}" type="slidenum">
-              <a:rPr lang="zh-CN" altLang="en-US" smtClean="0"/>
-              <a:t>13</a:t>
-            </a:fld>
-            <a:endParaRPr lang="zh-CN" altLang="en-US"/>
-          </a:p>
-        </p:txBody>
-      </p:sp>
-    </p:spTree>
-    <p:extLst>
-      <p:ext uri="{BB962C8B-B14F-4D97-AF65-F5344CB8AC3E}">
-        <p14:creationId xmlns:p14="http://schemas.microsoft.com/office/powerpoint/2010/main" val="1277385762"/>
-      </p:ext>
-    </p:extLst>
-  </p:cSld>
-  <p:clrMapOvr>
-    <a:masterClrMapping/>
-  </p:clrMapOvr>
-</p:notes>
-</file>
-
-<file path=ppt/notesSlides/notesSlide2.xml><?xml version="1.0" encoding="utf-8"?>
-<p:notes xmlns:a="http://schemas.openxmlformats.org/drawingml/2006/main" xmlns:r="http://schemas.openxmlformats.org/officeDocument/2006/relationships" xmlns:p="http://schemas.openxmlformats.org/presentationml/2006/main">
-  <p:cSld>
-    <p:spTree>
-      <p:nvGrpSpPr>
-        <p:cNvPr id="1" name=""/>
-        <p:cNvGrpSpPr/>
-        <p:nvPr/>
-      </p:nvGrpSpPr>
-      <p:grpSpPr>
-        <a:xfrm>
-          <a:off x="0" y="0"/>
-          <a:ext cx="0" cy="0"/>
-          <a:chOff x="0" y="0"/>
-          <a:chExt cx="0" cy="0"/>
-        </a:xfrm>
-      </p:grpSpPr>
-      <p:sp>
-        <p:nvSpPr>
-          <p:cNvPr id="2" name="幻灯片图像占位符 1"/>
-          <p:cNvSpPr>
-            <a:spLocks noGrp="1" noRot="1" noChangeAspect="1"/>
-          </p:cNvSpPr>
-          <p:nvPr>
-            <p:ph type="sldImg"/>
-          </p:nvPr>
-        </p:nvSpPr>
-        <p:spPr/>
-      </p:sp>
-      <p:sp>
-        <p:nvSpPr>
-          <p:cNvPr id="3" name="备注占位符 2"/>
-          <p:cNvSpPr>
-            <a:spLocks noGrp="1"/>
-          </p:cNvSpPr>
-          <p:nvPr>
-            <p:ph type="body" idx="1"/>
-          </p:nvPr>
-        </p:nvSpPr>
-        <p:spPr/>
-        <p:txBody>
-          <a:bodyPr/>
-          <a:lstStyle/>
-          <a:p>
-            <a:r>
-              <a:rPr lang="en-US" altLang="zh-CN" dirty="0" smtClean="0"/>
-              <a:t>deleted</a:t>
-            </a:r>
-            <a:endParaRPr lang="zh-CN" altLang="en-US" dirty="0"/>
-          </a:p>
-        </p:txBody>
-      </p:sp>
-      <p:sp>
-        <p:nvSpPr>
-          <p:cNvPr id="4" name="灯片编号占位符 3"/>
-          <p:cNvSpPr>
-            <a:spLocks noGrp="1"/>
-          </p:cNvSpPr>
-          <p:nvPr>
-            <p:ph type="sldNum" sz="quarter" idx="10"/>
-          </p:nvPr>
-        </p:nvSpPr>
-        <p:spPr/>
-        <p:txBody>
-          <a:bodyPr/>
-          <a:lstStyle/>
-          <a:p>
-            <a:fld id="{D7EC0FE3-6C6A-4405-A54B-19E07F894716}" type="slidenum">
-              <a:rPr lang="zh-CN" altLang="en-US" smtClean="0"/>
-              <a:t>14</a:t>
-            </a:fld>
-            <a:endParaRPr lang="zh-CN" altLang="en-US"/>
-          </a:p>
-        </p:txBody>
-      </p:sp>
-    </p:spTree>
-    <p:extLst>
-      <p:ext uri="{BB962C8B-B14F-4D97-AF65-F5344CB8AC3E}">
-        <p14:creationId xmlns:p14="http://schemas.microsoft.com/office/powerpoint/2010/main" val="1944933229"/>
-      </p:ext>
-    </p:extLst>
-  </p:cSld>
-  <p:clrMapOvr>
-    <a:masterClrMapping/>
-  </p:clrMapOvr>
-</p:notes>
-</file>
-
-<file path=ppt/notesSlides/notesSlide3.xml><?xml version="1.0" encoding="utf-8"?>
-<p:notes xmlns:a="http://schemas.openxmlformats.org/drawingml/2006/main" xmlns:r="http://schemas.openxmlformats.org/officeDocument/2006/relationships" xmlns:p="http://schemas.openxmlformats.org/presentationml/2006/main">
-  <p:cSld>
-    <p:spTree>
-      <p:nvGrpSpPr>
-        <p:cNvPr id="1" name=""/>
-        <p:cNvGrpSpPr/>
-        <p:nvPr/>
-      </p:nvGrpSpPr>
-      <p:grpSpPr>
-        <a:xfrm>
-          <a:off x="0" y="0"/>
-          <a:ext cx="0" cy="0"/>
-          <a:chOff x="0" y="0"/>
-          <a:chExt cx="0" cy="0"/>
-        </a:xfrm>
-      </p:grpSpPr>
-      <p:sp>
-        <p:nvSpPr>
-          <p:cNvPr id="2" name="幻灯片图像占位符 1"/>
-          <p:cNvSpPr>
-            <a:spLocks noGrp="1" noRot="1" noChangeAspect="1"/>
-          </p:cNvSpPr>
-          <p:nvPr>
-            <p:ph type="sldImg"/>
-          </p:nvPr>
-        </p:nvSpPr>
-        <p:spPr/>
-      </p:sp>
-      <p:sp>
-        <p:nvSpPr>
-          <p:cNvPr id="3" name="备注占位符 2"/>
-          <p:cNvSpPr>
-            <a:spLocks noGrp="1"/>
-          </p:cNvSpPr>
-          <p:nvPr>
-            <p:ph type="body" idx="1"/>
-          </p:nvPr>
-        </p:nvSpPr>
-        <p:spPr/>
-        <p:txBody>
-          <a:bodyPr/>
-          <a:lstStyle/>
-          <a:p>
-            <a:r>
-              <a:rPr lang="en-US" altLang="zh-CN" dirty="0" smtClean="0"/>
-              <a:t>Mention touch</a:t>
-            </a:r>
-            <a:r>
-              <a:rPr lang="en-US" altLang="zh-CN" baseline="0" dirty="0" smtClean="0"/>
-              <a:t> point canvassing</a:t>
-            </a:r>
-            <a:endParaRPr lang="zh-CN" altLang="en-US" dirty="0"/>
-          </a:p>
-        </p:txBody>
-      </p:sp>
-      <p:sp>
-        <p:nvSpPr>
-          <p:cNvPr id="4" name="灯片编号占位符 3"/>
-          <p:cNvSpPr>
-            <a:spLocks noGrp="1"/>
-          </p:cNvSpPr>
-          <p:nvPr>
-            <p:ph type="sldNum" sz="quarter" idx="10"/>
-          </p:nvPr>
-        </p:nvSpPr>
-        <p:spPr/>
-        <p:txBody>
-          <a:bodyPr/>
-          <a:lstStyle/>
-          <a:p>
-            <a:fld id="{D7EC0FE3-6C6A-4405-A54B-19E07F894716}" type="slidenum">
-              <a:rPr lang="zh-CN" altLang="en-US" smtClean="0"/>
-              <a:t>15</a:t>
-            </a:fld>
-            <a:endParaRPr lang="zh-CN" altLang="en-US"/>
-          </a:p>
-        </p:txBody>
-      </p:sp>
-    </p:spTree>
-    <p:extLst>
-      <p:ext uri="{BB962C8B-B14F-4D97-AF65-F5344CB8AC3E}">
-        <p14:creationId xmlns:p14="http://schemas.microsoft.com/office/powerpoint/2010/main" val="1167310913"/>
-      </p:ext>
-    </p:extLst>
-  </p:cSld>
-  <p:clrMapOvr>
-    <a:masterClrMapping/>
-  </p:clrMapOvr>
-</p:notes>
-</file>
-
 <file path=ppt/slideLayouts/slideLayout1.xml><?xml version="1.0" encoding="utf-8"?>
 <p:sldLayout xmlns:a="http://schemas.openxmlformats.org/drawingml/2006/main" xmlns:r="http://schemas.openxmlformats.org/officeDocument/2006/relationships" xmlns:p="http://schemas.openxmlformats.org/presentationml/2006/main" type="title" preserve="1">
   <p:cSld name="标题幻灯片">
@@ -931,7 +657,7 @@
           <a:p>
             <a:fld id="{262F6674-346F-4DE7-A726-4E66B993764C}" type="datetimeFigureOut">
               <a:rPr lang="zh-CN" altLang="en-US" smtClean="0"/>
-              <a:t>2017/4/24</a:t>
+              <a:t>2017/4/30</a:t>
             </a:fld>
             <a:endParaRPr lang="zh-CN" altLang="en-US"/>
           </a:p>
@@ -1101,7 +827,7 @@
           <a:p>
             <a:fld id="{262F6674-346F-4DE7-A726-4E66B993764C}" type="datetimeFigureOut">
               <a:rPr lang="zh-CN" altLang="en-US" smtClean="0"/>
-              <a:t>2017/4/24</a:t>
+              <a:t>2017/4/30</a:t>
             </a:fld>
             <a:endParaRPr lang="zh-CN" altLang="en-US"/>
           </a:p>
@@ -1281,7 +1007,7 @@
           <a:p>
             <a:fld id="{262F6674-346F-4DE7-A726-4E66B993764C}" type="datetimeFigureOut">
               <a:rPr lang="zh-CN" altLang="en-US" smtClean="0"/>
-              <a:t>2017/4/24</a:t>
+              <a:t>2017/4/30</a:t>
             </a:fld>
             <a:endParaRPr lang="zh-CN" altLang="en-US"/>
           </a:p>
@@ -1451,7 +1177,7 @@
           <a:p>
             <a:fld id="{262F6674-346F-4DE7-A726-4E66B993764C}" type="datetimeFigureOut">
               <a:rPr lang="zh-CN" altLang="en-US" smtClean="0"/>
-              <a:t>2017/4/24</a:t>
+              <a:t>2017/4/30</a:t>
             </a:fld>
             <a:endParaRPr lang="zh-CN" altLang="en-US"/>
           </a:p>
@@ -1697,7 +1423,7 @@
           <a:p>
             <a:fld id="{262F6674-346F-4DE7-A726-4E66B993764C}" type="datetimeFigureOut">
               <a:rPr lang="zh-CN" altLang="en-US" smtClean="0"/>
-              <a:t>2017/4/24</a:t>
+              <a:t>2017/4/30</a:t>
             </a:fld>
             <a:endParaRPr lang="zh-CN" altLang="en-US"/>
           </a:p>
@@ -1985,7 +1711,7 @@
           <a:p>
             <a:fld id="{262F6674-346F-4DE7-A726-4E66B993764C}" type="datetimeFigureOut">
               <a:rPr lang="zh-CN" altLang="en-US" smtClean="0"/>
-              <a:t>2017/4/24</a:t>
+              <a:t>2017/4/30</a:t>
             </a:fld>
             <a:endParaRPr lang="zh-CN" altLang="en-US"/>
           </a:p>
@@ -2407,7 +2133,7 @@
           <a:p>
             <a:fld id="{262F6674-346F-4DE7-A726-4E66B993764C}" type="datetimeFigureOut">
               <a:rPr lang="zh-CN" altLang="en-US" smtClean="0"/>
-              <a:t>2017/4/24</a:t>
+              <a:t>2017/4/30</a:t>
             </a:fld>
             <a:endParaRPr lang="zh-CN" altLang="en-US"/>
           </a:p>
@@ -2525,7 +2251,7 @@
           <a:p>
             <a:fld id="{262F6674-346F-4DE7-A726-4E66B993764C}" type="datetimeFigureOut">
               <a:rPr lang="zh-CN" altLang="en-US" smtClean="0"/>
-              <a:t>2017/4/24</a:t>
+              <a:t>2017/4/30</a:t>
             </a:fld>
             <a:endParaRPr lang="zh-CN" altLang="en-US"/>
           </a:p>
@@ -2620,7 +2346,7 @@
           <a:p>
             <a:fld id="{262F6674-346F-4DE7-A726-4E66B993764C}" type="datetimeFigureOut">
               <a:rPr lang="zh-CN" altLang="en-US" smtClean="0"/>
-              <a:t>2017/4/24</a:t>
+              <a:t>2017/4/30</a:t>
             </a:fld>
             <a:endParaRPr lang="zh-CN" altLang="en-US"/>
           </a:p>
@@ -2897,7 +2623,7 @@
           <a:p>
             <a:fld id="{262F6674-346F-4DE7-A726-4E66B993764C}" type="datetimeFigureOut">
               <a:rPr lang="zh-CN" altLang="en-US" smtClean="0"/>
-              <a:t>2017/4/24</a:t>
+              <a:t>2017/4/30</a:t>
             </a:fld>
             <a:endParaRPr lang="zh-CN" altLang="en-US"/>
           </a:p>
@@ -3150,7 +2876,7 @@
           <a:p>
             <a:fld id="{262F6674-346F-4DE7-A726-4E66B993764C}" type="datetimeFigureOut">
               <a:rPr lang="zh-CN" altLang="en-US" smtClean="0"/>
-              <a:t>2017/4/24</a:t>
+              <a:t>2017/4/30</a:t>
             </a:fld>
             <a:endParaRPr lang="zh-CN" altLang="en-US"/>
           </a:p>
@@ -3368,7 +3094,7 @@
           <a:p>
             <a:fld id="{262F6674-346F-4DE7-A726-4E66B993764C}" type="datetimeFigureOut">
               <a:rPr lang="zh-CN" altLang="en-US" smtClean="0"/>
-              <a:t>2017/4/24</a:t>
+              <a:t>2017/4/30</a:t>
             </a:fld>
             <a:endParaRPr lang="zh-CN" altLang="en-US"/>
           </a:p>
@@ -4317,1490 +4043,6 @@
         </p:nvSpPr>
         <p:spPr/>
         <p:txBody>
-          <a:bodyPr/>
-          <a:lstStyle/>
-          <a:p>
-            <a:r>
-              <a:rPr lang="en-US" altLang="zh-CN" dirty="0"/>
-              <a:t>Transition </a:t>
-            </a:r>
-            <a:r>
-              <a:rPr lang="en-US" altLang="zh-CN" dirty="0" smtClean="0"/>
-              <a:t>Approach(1)</a:t>
-            </a:r>
-            <a:endParaRPr lang="zh-CN" altLang="en-US" dirty="0"/>
-          </a:p>
-        </p:txBody>
-      </p:sp>
-      <p:sp>
-        <p:nvSpPr>
-          <p:cNvPr id="3" name="内容占位符 2"/>
-          <p:cNvSpPr>
-            <a:spLocks noGrp="1"/>
-          </p:cNvSpPr>
-          <p:nvPr>
-            <p:ph idx="1"/>
-          </p:nvPr>
-        </p:nvSpPr>
-        <p:spPr/>
-        <p:txBody>
-          <a:bodyPr/>
-          <a:lstStyle/>
-          <a:p>
-            <a:r>
-              <a:rPr lang="en-US" altLang="zh-CN" dirty="0" smtClean="0"/>
-              <a:t>Two </a:t>
-            </a:r>
-            <a:r>
-              <a:rPr lang="en-US" altLang="zh-CN" dirty="0"/>
-              <a:t>standard </a:t>
-            </a:r>
-            <a:r>
-              <a:rPr lang="en-US" altLang="zh-CN" dirty="0" smtClean="0"/>
-              <a:t>approaches</a:t>
-            </a:r>
-          </a:p>
-          <a:p>
-            <a:pPr>
-              <a:buFont typeface="Wingdings" panose="05000000000000000000" pitchFamily="2" charset="2"/>
-              <a:buChar char="u"/>
-            </a:pPr>
-            <a:r>
-              <a:rPr lang="en-US" altLang="zh-CN" sz="2200" b="1" dirty="0" smtClean="0"/>
-              <a:t>The </a:t>
-            </a:r>
-            <a:r>
-              <a:rPr lang="en-US" altLang="zh-CN" sz="2200" b="1" dirty="0"/>
-              <a:t>baseline first approach </a:t>
-            </a:r>
-            <a:r>
-              <a:rPr lang="en-US" altLang="zh-CN" sz="2200" dirty="0"/>
-              <a:t>is used where an assessment of the baseline landscape is used to identify problem areas and improvement opportunities</a:t>
-            </a:r>
-            <a:r>
-              <a:rPr lang="en-US" altLang="zh-CN" sz="2200" dirty="0" smtClean="0"/>
-              <a:t>.</a:t>
-            </a:r>
-          </a:p>
-          <a:p>
-            <a:pPr>
-              <a:buFont typeface="Wingdings" panose="05000000000000000000" pitchFamily="2" charset="2"/>
-              <a:buChar char="u"/>
-            </a:pPr>
-            <a:r>
-              <a:rPr lang="en-US" altLang="zh-CN" sz="2200" b="1" dirty="0" smtClean="0"/>
-              <a:t>The </a:t>
-            </a:r>
-            <a:r>
-              <a:rPr lang="en-US" altLang="zh-CN" sz="2200" b="1" dirty="0"/>
-              <a:t>target first approach </a:t>
-            </a:r>
-            <a:r>
-              <a:rPr lang="en-US" altLang="zh-CN" sz="2200" dirty="0"/>
-              <a:t>is used where the target state solution is elaborated in detail and then mapped back to the baseline, in order to identify change activity.</a:t>
-            </a:r>
-            <a:endParaRPr lang="zh-CN" altLang="en-US" sz="2200" dirty="0"/>
-          </a:p>
-        </p:txBody>
-      </p:sp>
-    </p:spTree>
-    <p:extLst>
-      <p:ext uri="{BB962C8B-B14F-4D97-AF65-F5344CB8AC3E}">
-        <p14:creationId xmlns:p14="http://schemas.microsoft.com/office/powerpoint/2010/main" val="3369721029"/>
-      </p:ext>
-    </p:extLst>
-  </p:cSld>
-  <p:clrMapOvr>
-    <a:masterClrMapping/>
-  </p:clrMapOvr>
-  <p:timing>
-    <p:tnLst>
-      <p:par>
-        <p:cTn id="1" dur="indefinite" restart="never" nodeType="tmRoot"/>
-      </p:par>
-    </p:tnLst>
-  </p:timing>
-</p:sld>
-</file>
-
-<file path=ppt/slides/slide13.xml><?xml version="1.0" encoding="utf-8"?>
-<p:sld xmlns:a="http://schemas.openxmlformats.org/drawingml/2006/main" xmlns:r="http://schemas.openxmlformats.org/officeDocument/2006/relationships" xmlns:p="http://schemas.openxmlformats.org/presentationml/2006/main">
-  <p:cSld>
-    <p:spTree>
-      <p:nvGrpSpPr>
-        <p:cNvPr id="1" name=""/>
-        <p:cNvGrpSpPr/>
-        <p:nvPr/>
-      </p:nvGrpSpPr>
-      <p:grpSpPr>
-        <a:xfrm>
-          <a:off x="0" y="0"/>
-          <a:ext cx="0" cy="0"/>
-          <a:chOff x="0" y="0"/>
-          <a:chExt cx="0" cy="0"/>
-        </a:xfrm>
-      </p:grpSpPr>
-      <p:sp>
-        <p:nvSpPr>
-          <p:cNvPr id="2" name="标题 1"/>
-          <p:cNvSpPr>
-            <a:spLocks noGrp="1"/>
-          </p:cNvSpPr>
-          <p:nvPr>
-            <p:ph type="title"/>
-          </p:nvPr>
-        </p:nvSpPr>
-        <p:spPr/>
-        <p:txBody>
-          <a:bodyPr/>
-          <a:lstStyle/>
-          <a:p>
-            <a:r>
-              <a:rPr lang="en-US" altLang="zh-CN" dirty="0"/>
-              <a:t>Transition </a:t>
-            </a:r>
-            <a:r>
-              <a:rPr lang="en-US" altLang="zh-CN" dirty="0" smtClean="0"/>
-              <a:t>Approach(2)</a:t>
-            </a:r>
-            <a:endParaRPr lang="zh-CN" altLang="en-US" dirty="0"/>
-          </a:p>
-        </p:txBody>
-      </p:sp>
-      <p:sp>
-        <p:nvSpPr>
-          <p:cNvPr id="3" name="内容占位符 2"/>
-          <p:cNvSpPr>
-            <a:spLocks noGrp="1"/>
-          </p:cNvSpPr>
-          <p:nvPr>
-            <p:ph idx="1"/>
-          </p:nvPr>
-        </p:nvSpPr>
-        <p:spPr>
-          <a:xfrm>
-            <a:off x="467544" y="1340768"/>
-            <a:ext cx="8229600" cy="5256584"/>
-          </a:xfrm>
-        </p:spPr>
-        <p:txBody>
-          <a:bodyPr>
-            <a:normAutofit/>
-          </a:bodyPr>
-          <a:lstStyle/>
-          <a:p>
-            <a:r>
-              <a:rPr lang="en-US" altLang="zh-CN" dirty="0"/>
-              <a:t>Architecture team teamed up with various teams </a:t>
-            </a:r>
-            <a:r>
-              <a:rPr lang="en-US" altLang="zh-CN" dirty="0" smtClean="0"/>
-              <a:t>and stakeholders </a:t>
-            </a:r>
-            <a:r>
-              <a:rPr lang="en-US" altLang="zh-CN" dirty="0"/>
-              <a:t>to ensure a current state is precisely established</a:t>
-            </a:r>
-            <a:r>
-              <a:rPr lang="en-US" altLang="zh-CN" dirty="0" smtClean="0"/>
-              <a:t>.</a:t>
-            </a:r>
-          </a:p>
-          <a:p>
-            <a:endParaRPr lang="en-US" altLang="zh-CN" dirty="0"/>
-          </a:p>
-          <a:p>
-            <a:endParaRPr lang="en-US" altLang="zh-CN" dirty="0" smtClean="0"/>
-          </a:p>
-          <a:p>
-            <a:endParaRPr lang="en-US" altLang="zh-CN" dirty="0"/>
-          </a:p>
-          <a:p>
-            <a:endParaRPr lang="en-US" altLang="zh-CN" dirty="0" smtClean="0"/>
-          </a:p>
-          <a:p>
-            <a:endParaRPr lang="en-US" altLang="zh-CN" sz="1800" dirty="0"/>
-          </a:p>
-          <a:p>
-            <a:endParaRPr lang="en-US" altLang="zh-CN" sz="1800" dirty="0" smtClean="0"/>
-          </a:p>
-          <a:p>
-            <a:pPr marL="0" indent="0" algn="ctr">
-              <a:buNone/>
-            </a:pPr>
-            <a:r>
-              <a:rPr lang="en-US" altLang="zh-CN" sz="1800" dirty="0" smtClean="0"/>
-              <a:t>Figure 6. </a:t>
-            </a:r>
-            <a:r>
-              <a:rPr lang="en-US" altLang="zh-CN" sz="1800" dirty="0"/>
-              <a:t>Architectural Domains and Team Collaboration</a:t>
-            </a:r>
-            <a:endParaRPr lang="zh-CN" altLang="en-US" sz="1800" dirty="0"/>
-          </a:p>
-        </p:txBody>
-      </p:sp>
-      <p:pic>
-        <p:nvPicPr>
-          <p:cNvPr id="4" name="图片 3"/>
-          <p:cNvPicPr/>
-          <p:nvPr/>
-        </p:nvPicPr>
-        <p:blipFill>
-          <a:blip r:embed="rId3"/>
-          <a:stretch>
-            <a:fillRect/>
-          </a:stretch>
-        </p:blipFill>
-        <p:spPr>
-          <a:xfrm>
-            <a:off x="611560" y="2924944"/>
-            <a:ext cx="7632848" cy="2952328"/>
-          </a:xfrm>
-          <a:prstGeom prst="rect">
-            <a:avLst/>
-          </a:prstGeom>
-        </p:spPr>
-      </p:pic>
-    </p:spTree>
-    <p:extLst>
-      <p:ext uri="{BB962C8B-B14F-4D97-AF65-F5344CB8AC3E}">
-        <p14:creationId xmlns:p14="http://schemas.microsoft.com/office/powerpoint/2010/main" val="272322909"/>
-      </p:ext>
-    </p:extLst>
-  </p:cSld>
-  <p:clrMapOvr>
-    <a:masterClrMapping/>
-  </p:clrMapOvr>
-  <p:timing>
-    <p:tnLst>
-      <p:par>
-        <p:cTn id="1" dur="indefinite" restart="never" nodeType="tmRoot"/>
-      </p:par>
-    </p:tnLst>
-  </p:timing>
-</p:sld>
-</file>
-
-<file path=ppt/slides/slide14.xml><?xml version="1.0" encoding="utf-8"?>
-<p:sld xmlns:a="http://schemas.openxmlformats.org/drawingml/2006/main" xmlns:r="http://schemas.openxmlformats.org/officeDocument/2006/relationships" xmlns:p="http://schemas.openxmlformats.org/presentationml/2006/main">
-  <p:cSld>
-    <p:spTree>
-      <p:nvGrpSpPr>
-        <p:cNvPr id="1" name=""/>
-        <p:cNvGrpSpPr/>
-        <p:nvPr/>
-      </p:nvGrpSpPr>
-      <p:grpSpPr>
-        <a:xfrm>
-          <a:off x="0" y="0"/>
-          <a:ext cx="0" cy="0"/>
-          <a:chOff x="0" y="0"/>
-          <a:chExt cx="0" cy="0"/>
-        </a:xfrm>
-      </p:grpSpPr>
-      <p:sp>
-        <p:nvSpPr>
-          <p:cNvPr id="2" name="标题 1"/>
-          <p:cNvSpPr>
-            <a:spLocks noGrp="1"/>
-          </p:cNvSpPr>
-          <p:nvPr>
-            <p:ph type="title"/>
-          </p:nvPr>
-        </p:nvSpPr>
-        <p:spPr/>
-        <p:txBody>
-          <a:bodyPr/>
-          <a:lstStyle/>
-          <a:p>
-            <a:r>
-              <a:rPr lang="en-US" altLang="zh-CN" dirty="0"/>
-              <a:t>Transition </a:t>
-            </a:r>
-            <a:r>
-              <a:rPr lang="en-US" altLang="zh-CN" dirty="0" smtClean="0"/>
-              <a:t>Approach(3)</a:t>
-            </a:r>
-            <a:endParaRPr lang="zh-CN" altLang="en-US" dirty="0"/>
-          </a:p>
-        </p:txBody>
-      </p:sp>
-      <p:sp>
-        <p:nvSpPr>
-          <p:cNvPr id="3" name="内容占位符 2"/>
-          <p:cNvSpPr>
-            <a:spLocks noGrp="1"/>
-          </p:cNvSpPr>
-          <p:nvPr>
-            <p:ph idx="1"/>
-          </p:nvPr>
-        </p:nvSpPr>
-        <p:spPr/>
-        <p:txBody>
-          <a:bodyPr>
-            <a:normAutofit/>
-          </a:bodyPr>
-          <a:lstStyle/>
-          <a:p>
-            <a:r>
-              <a:rPr lang="en-US" altLang="zh-CN" dirty="0"/>
-              <a:t>Transition </a:t>
-            </a:r>
-            <a:r>
-              <a:rPr lang="en-US" altLang="zh-CN" dirty="0" smtClean="0"/>
-              <a:t>Steps(similar to EAP model)</a:t>
-            </a:r>
-          </a:p>
-          <a:p>
-            <a:endParaRPr lang="en-US" altLang="zh-CN" dirty="0"/>
-          </a:p>
-          <a:p>
-            <a:endParaRPr lang="en-US" altLang="zh-CN" dirty="0" smtClean="0"/>
-          </a:p>
-          <a:p>
-            <a:endParaRPr lang="en-US" altLang="zh-CN" dirty="0"/>
-          </a:p>
-          <a:p>
-            <a:endParaRPr lang="en-US" altLang="zh-CN" dirty="0" smtClean="0"/>
-          </a:p>
-          <a:p>
-            <a:endParaRPr lang="en-US" altLang="zh-CN" dirty="0"/>
-          </a:p>
-          <a:p>
-            <a:endParaRPr lang="en-US" altLang="zh-CN" dirty="0" smtClean="0"/>
-          </a:p>
-          <a:p>
-            <a:pPr marL="0" indent="0" algn="ctr">
-              <a:buNone/>
-            </a:pPr>
-            <a:r>
-              <a:rPr lang="en-US" altLang="zh-CN" sz="1900" dirty="0"/>
-              <a:t>Figure </a:t>
-            </a:r>
-            <a:r>
-              <a:rPr lang="en-US" altLang="zh-CN" sz="1900" dirty="0" smtClean="0"/>
-              <a:t>7. </a:t>
-            </a:r>
-            <a:r>
-              <a:rPr lang="en-US" altLang="zh-CN" sz="1900" dirty="0"/>
-              <a:t>2020 Census Architecture Transition Steps</a:t>
-            </a:r>
-            <a:endParaRPr lang="en-US" altLang="zh-CN" sz="1900" dirty="0" smtClean="0"/>
-          </a:p>
-          <a:p>
-            <a:pPr marL="0" indent="0">
-              <a:buNone/>
-            </a:pPr>
-            <a:endParaRPr lang="zh-CN" altLang="en-US" dirty="0"/>
-          </a:p>
-        </p:txBody>
-      </p:sp>
-      <p:pic>
-        <p:nvPicPr>
-          <p:cNvPr id="3074" name="Picture 2"/>
-          <p:cNvPicPr>
-            <a:picLocks noChangeAspect="1" noChangeArrowheads="1"/>
-          </p:cNvPicPr>
-          <p:nvPr/>
-        </p:nvPicPr>
-        <p:blipFill>
-          <a:blip r:embed="rId3">
-            <a:extLst>
-              <a:ext uri="{28A0092B-C50C-407E-A947-70E740481C1C}">
-                <a14:useLocalDpi xmlns:a14="http://schemas.microsoft.com/office/drawing/2010/main" val="0"/>
-              </a:ext>
-            </a:extLst>
-          </a:blip>
-          <a:srcRect/>
-          <a:stretch>
-            <a:fillRect/>
-          </a:stretch>
-        </p:blipFill>
-        <p:spPr bwMode="auto">
-          <a:xfrm>
-            <a:off x="683568" y="2276872"/>
-            <a:ext cx="7704856" cy="3240360"/>
-          </a:xfrm>
-          <a:prstGeom prst="rect">
-            <a:avLst/>
-          </a:prstGeom>
-          <a:noFill/>
-          <a:ln>
-            <a:noFill/>
-          </a:ln>
-          <a:effectLst/>
-          <a:extLst>
-            <a:ext uri="{909E8E84-426E-40DD-AFC4-6F175D3DCCD1}">
-              <a14:hiddenFill xmlns:a14="http://schemas.microsoft.com/office/drawing/2010/main">
-                <a:solidFill>
-                  <a:schemeClr val="accent1"/>
-                </a:solidFill>
-              </a14:hiddenFill>
-            </a:ext>
-            <a:ext uri="{91240B29-F687-4F45-9708-019B960494DF}">
-              <a14:hiddenLine xmlns:a14="http://schemas.microsoft.com/office/drawing/2010/main" w="9525">
-                <a:solidFill>
-                  <a:schemeClr val="tx1"/>
-                </a:solidFill>
-                <a:miter lim="800000"/>
-                <a:headEnd/>
-                <a:tailEnd/>
-              </a14:hiddenLine>
-            </a:ext>
-            <a:ext uri="{AF507438-7753-43E0-B8FC-AC1667EBCBE1}">
-              <a14:hiddenEffects xmlns:a14="http://schemas.microsoft.com/office/drawing/2010/main">
-                <a:effectLst>
-                  <a:outerShdw dist="35921" dir="2700000" algn="ctr" rotWithShape="0">
-                    <a:schemeClr val="bg2"/>
-                  </a:outerShdw>
-                </a:effectLst>
-              </a14:hiddenEffects>
-            </a:ext>
-          </a:extLst>
-        </p:spPr>
-      </p:pic>
-    </p:spTree>
-    <p:extLst>
-      <p:ext uri="{BB962C8B-B14F-4D97-AF65-F5344CB8AC3E}">
-        <p14:creationId xmlns:p14="http://schemas.microsoft.com/office/powerpoint/2010/main" val="4080346999"/>
-      </p:ext>
-    </p:extLst>
-  </p:cSld>
-  <p:clrMapOvr>
-    <a:masterClrMapping/>
-  </p:clrMapOvr>
-  <p:timing>
-    <p:tnLst>
-      <p:par>
-        <p:cTn id="1" dur="indefinite" restart="never" nodeType="tmRoot"/>
-      </p:par>
-    </p:tnLst>
-  </p:timing>
-</p:sld>
-</file>
-
-<file path=ppt/slides/slide15.xml><?xml version="1.0" encoding="utf-8"?>
-<p:sld xmlns:a="http://schemas.openxmlformats.org/drawingml/2006/main" xmlns:r="http://schemas.openxmlformats.org/officeDocument/2006/relationships" xmlns:p="http://schemas.openxmlformats.org/presentationml/2006/main">
-  <p:cSld>
-    <p:spTree>
-      <p:nvGrpSpPr>
-        <p:cNvPr id="1" name=""/>
-        <p:cNvGrpSpPr/>
-        <p:nvPr/>
-      </p:nvGrpSpPr>
-      <p:grpSpPr>
-        <a:xfrm>
-          <a:off x="0" y="0"/>
-          <a:ext cx="0" cy="0"/>
-          <a:chOff x="0" y="0"/>
-          <a:chExt cx="0" cy="0"/>
-        </a:xfrm>
-      </p:grpSpPr>
-      <p:sp>
-        <p:nvSpPr>
-          <p:cNvPr id="2" name="标题 1"/>
-          <p:cNvSpPr>
-            <a:spLocks noGrp="1"/>
-          </p:cNvSpPr>
-          <p:nvPr>
-            <p:ph type="title"/>
-          </p:nvPr>
-        </p:nvSpPr>
-        <p:spPr/>
-        <p:txBody>
-          <a:bodyPr/>
-          <a:lstStyle/>
-          <a:p>
-            <a:r>
-              <a:rPr lang="en-US" altLang="zh-CN" dirty="0"/>
-              <a:t>Transition </a:t>
-            </a:r>
-            <a:r>
-              <a:rPr lang="en-US" altLang="zh-CN" dirty="0" smtClean="0"/>
-              <a:t>Approach(4)</a:t>
-            </a:r>
-            <a:endParaRPr lang="zh-CN" altLang="en-US" dirty="0"/>
-          </a:p>
-        </p:txBody>
-      </p:sp>
-      <p:sp>
-        <p:nvSpPr>
-          <p:cNvPr id="3" name="内容占位符 2"/>
-          <p:cNvSpPr>
-            <a:spLocks noGrp="1"/>
-          </p:cNvSpPr>
-          <p:nvPr>
-            <p:ph idx="1"/>
-          </p:nvPr>
-        </p:nvSpPr>
-        <p:spPr/>
-        <p:txBody>
-          <a:bodyPr>
-            <a:normAutofit/>
-          </a:bodyPr>
-          <a:lstStyle/>
-          <a:p>
-            <a:r>
-              <a:rPr lang="en-US" altLang="zh-CN" dirty="0"/>
-              <a:t>Phased </a:t>
-            </a:r>
-            <a:r>
-              <a:rPr lang="en-US" altLang="zh-CN" dirty="0" smtClean="0"/>
-              <a:t>Testing</a:t>
-            </a:r>
-          </a:p>
-          <a:p>
-            <a:endParaRPr lang="en-US" altLang="zh-CN" dirty="0"/>
-          </a:p>
-          <a:p>
-            <a:endParaRPr lang="en-US" altLang="zh-CN" dirty="0" smtClean="0"/>
-          </a:p>
-          <a:p>
-            <a:endParaRPr lang="en-US" altLang="zh-CN" dirty="0"/>
-          </a:p>
-          <a:p>
-            <a:endParaRPr lang="en-US" altLang="zh-CN" dirty="0" smtClean="0"/>
-          </a:p>
-          <a:p>
-            <a:endParaRPr lang="en-US" altLang="zh-CN" dirty="0"/>
-          </a:p>
-          <a:p>
-            <a:endParaRPr lang="en-US" altLang="zh-CN" dirty="0" smtClean="0"/>
-          </a:p>
-          <a:p>
-            <a:pPr marL="0" indent="0" algn="ctr">
-              <a:buNone/>
-            </a:pPr>
-            <a:r>
-              <a:rPr lang="en-US" altLang="zh-CN" sz="1900" dirty="0"/>
-              <a:t>Figure </a:t>
-            </a:r>
-            <a:r>
-              <a:rPr lang="en-US" altLang="zh-CN" sz="1900" dirty="0" smtClean="0"/>
-              <a:t>8. </a:t>
-            </a:r>
-            <a:r>
-              <a:rPr lang="en-US" altLang="zh-CN" sz="1900" dirty="0"/>
-              <a:t>2020 Census Architecture Incremental Transition Model</a:t>
-            </a:r>
-            <a:endParaRPr lang="zh-CN" altLang="en-US" sz="1900" dirty="0"/>
-          </a:p>
-        </p:txBody>
-      </p:sp>
-      <p:pic>
-        <p:nvPicPr>
-          <p:cNvPr id="4" name="图片 3"/>
-          <p:cNvPicPr/>
-          <p:nvPr/>
-        </p:nvPicPr>
-        <p:blipFill>
-          <a:blip r:embed="rId3"/>
-          <a:stretch>
-            <a:fillRect/>
-          </a:stretch>
-        </p:blipFill>
-        <p:spPr>
-          <a:xfrm>
-            <a:off x="467544" y="2204864"/>
-            <a:ext cx="8208912" cy="3312368"/>
-          </a:xfrm>
-          <a:prstGeom prst="rect">
-            <a:avLst/>
-          </a:prstGeom>
-        </p:spPr>
-      </p:pic>
-    </p:spTree>
-    <p:extLst>
-      <p:ext uri="{BB962C8B-B14F-4D97-AF65-F5344CB8AC3E}">
-        <p14:creationId xmlns:p14="http://schemas.microsoft.com/office/powerpoint/2010/main" val="71946900"/>
-      </p:ext>
-    </p:extLst>
-  </p:cSld>
-  <p:clrMapOvr>
-    <a:masterClrMapping/>
-  </p:clrMapOvr>
-  <p:timing>
-    <p:tnLst>
-      <p:par>
-        <p:cTn id="1" dur="indefinite" restart="never" nodeType="tmRoot"/>
-      </p:par>
-    </p:tnLst>
-  </p:timing>
-</p:sld>
-</file>
-
-<file path=ppt/slides/slide16.xml><?xml version="1.0" encoding="utf-8"?>
-<p:sld xmlns:a="http://schemas.openxmlformats.org/drawingml/2006/main" xmlns:r="http://schemas.openxmlformats.org/officeDocument/2006/relationships" xmlns:p="http://schemas.openxmlformats.org/presentationml/2006/main">
-  <p:cSld>
-    <p:spTree>
-      <p:nvGrpSpPr>
-        <p:cNvPr id="1" name=""/>
-        <p:cNvGrpSpPr/>
-        <p:nvPr/>
-      </p:nvGrpSpPr>
-      <p:grpSpPr>
-        <a:xfrm>
-          <a:off x="0" y="0"/>
-          <a:ext cx="0" cy="0"/>
-          <a:chOff x="0" y="0"/>
-          <a:chExt cx="0" cy="0"/>
-        </a:xfrm>
-      </p:grpSpPr>
-      <p:sp>
-        <p:nvSpPr>
-          <p:cNvPr id="2" name="标题 1"/>
-          <p:cNvSpPr>
-            <a:spLocks noGrp="1"/>
-          </p:cNvSpPr>
-          <p:nvPr>
-            <p:ph type="title"/>
-          </p:nvPr>
-        </p:nvSpPr>
-        <p:spPr/>
-        <p:txBody>
-          <a:bodyPr/>
-          <a:lstStyle/>
-          <a:p>
-            <a:r>
-              <a:rPr lang="en-US" altLang="zh-CN" dirty="0"/>
-              <a:t>Transition </a:t>
-            </a:r>
-            <a:r>
-              <a:rPr lang="en-US" altLang="zh-CN" dirty="0" smtClean="0"/>
-              <a:t>Approach(5)</a:t>
-            </a:r>
-            <a:endParaRPr lang="zh-CN" altLang="en-US" dirty="0"/>
-          </a:p>
-        </p:txBody>
-      </p:sp>
-      <p:sp>
-        <p:nvSpPr>
-          <p:cNvPr id="3" name="内容占位符 2"/>
-          <p:cNvSpPr>
-            <a:spLocks noGrp="1"/>
-          </p:cNvSpPr>
-          <p:nvPr>
-            <p:ph idx="1"/>
-          </p:nvPr>
-        </p:nvSpPr>
-        <p:spPr>
-          <a:xfrm>
-            <a:off x="467544" y="1268760"/>
-            <a:ext cx="8229600" cy="4525963"/>
-          </a:xfrm>
-        </p:spPr>
-        <p:txBody>
-          <a:bodyPr/>
-          <a:lstStyle/>
-          <a:p>
-            <a:r>
-              <a:rPr lang="en-US" altLang="zh-CN" dirty="0"/>
-              <a:t>Transition Tasks &amp; Activities</a:t>
-            </a:r>
-            <a:endParaRPr lang="zh-CN" altLang="en-US" dirty="0"/>
-          </a:p>
-        </p:txBody>
-      </p:sp>
-      <p:graphicFrame>
-        <p:nvGraphicFramePr>
-          <p:cNvPr id="5" name="表格 4"/>
-          <p:cNvGraphicFramePr>
-            <a:graphicFrameLocks noGrp="1"/>
-          </p:cNvGraphicFramePr>
-          <p:nvPr>
-            <p:extLst>
-              <p:ext uri="{D42A27DB-BD31-4B8C-83A1-F6EECF244321}">
-                <p14:modId xmlns:p14="http://schemas.microsoft.com/office/powerpoint/2010/main" val="3871826586"/>
-              </p:ext>
-            </p:extLst>
-          </p:nvPr>
-        </p:nvGraphicFramePr>
-        <p:xfrm>
-          <a:off x="611560" y="1916832"/>
-          <a:ext cx="8208912" cy="4539425"/>
-        </p:xfrm>
-        <a:graphic>
-          <a:graphicData uri="http://schemas.openxmlformats.org/drawingml/2006/table">
-            <a:tbl>
-              <a:tblPr firstRow="1" firstCol="1" bandRow="1">
-                <a:tableStyleId>{5C22544A-7EE6-4342-B048-85BDC9FD1C3A}</a:tableStyleId>
-              </a:tblPr>
-              <a:tblGrid>
-                <a:gridCol w="1703736"/>
-                <a:gridCol w="6505176"/>
-              </a:tblGrid>
-              <a:tr h="438341">
-                <a:tc>
-                  <a:txBody>
-                    <a:bodyPr/>
-                    <a:lstStyle/>
-                    <a:p>
-                      <a:pPr>
-                        <a:lnSpc>
-                          <a:spcPct val="115000"/>
-                        </a:lnSpc>
-                        <a:spcAft>
-                          <a:spcPts val="0"/>
-                        </a:spcAft>
-                      </a:pPr>
-                      <a:r>
-                        <a:rPr lang="en-US" sz="1800" dirty="0">
-                          <a:effectLst/>
-                        </a:rPr>
-                        <a:t>Activity</a:t>
-                      </a:r>
-                      <a:endParaRPr lang="zh-CN" sz="1800" dirty="0">
-                        <a:effectLst/>
-                        <a:latin typeface="Calibri"/>
-                        <a:ea typeface="宋体"/>
-                        <a:cs typeface="Times New Roman"/>
-                      </a:endParaRPr>
-                    </a:p>
-                  </a:txBody>
-                  <a:tcPr marL="46606" marR="46606" marT="0" marB="0"/>
-                </a:tc>
-                <a:tc>
-                  <a:txBody>
-                    <a:bodyPr/>
-                    <a:lstStyle/>
-                    <a:p>
-                      <a:pPr>
-                        <a:lnSpc>
-                          <a:spcPct val="115000"/>
-                        </a:lnSpc>
-                        <a:spcAft>
-                          <a:spcPts val="0"/>
-                        </a:spcAft>
-                      </a:pPr>
-                      <a:r>
-                        <a:rPr lang="en-US" sz="1800" dirty="0">
-                          <a:effectLst/>
-                        </a:rPr>
-                        <a:t>Description</a:t>
-                      </a:r>
-                      <a:endParaRPr lang="zh-CN" sz="1800" dirty="0">
-                        <a:effectLst/>
-                        <a:latin typeface="Calibri"/>
-                        <a:ea typeface="宋体"/>
-                        <a:cs typeface="Times New Roman"/>
-                      </a:endParaRPr>
-                    </a:p>
-                  </a:txBody>
-                  <a:tcPr marL="46606" marR="46606" marT="0" marB="0"/>
-                </a:tc>
-              </a:tr>
-              <a:tr h="2789435">
-                <a:tc>
-                  <a:txBody>
-                    <a:bodyPr/>
-                    <a:lstStyle/>
-                    <a:p>
-                      <a:pPr>
-                        <a:lnSpc>
-                          <a:spcPct val="115000"/>
-                        </a:lnSpc>
-                        <a:spcAft>
-                          <a:spcPts val="0"/>
-                        </a:spcAft>
-                      </a:pPr>
-                      <a:r>
-                        <a:rPr lang="en-US" sz="1800" dirty="0">
-                          <a:effectLst/>
-                        </a:rPr>
-                        <a:t>Finalize Target State Application Architecture</a:t>
-                      </a:r>
-                      <a:endParaRPr lang="zh-CN" sz="1800" dirty="0">
-                        <a:effectLst/>
-                        <a:latin typeface="Calibri"/>
-                        <a:ea typeface="宋体"/>
-                        <a:cs typeface="Times New Roman"/>
-                      </a:endParaRPr>
-                    </a:p>
-                  </a:txBody>
-                  <a:tcPr marL="46606" marR="46606" marT="0" marB="0"/>
-                </a:tc>
-                <a:tc>
-                  <a:txBody>
-                    <a:bodyPr/>
-                    <a:lstStyle/>
-                    <a:p>
-                      <a:pPr>
-                        <a:lnSpc>
-                          <a:spcPct val="115000"/>
-                        </a:lnSpc>
-                        <a:spcAft>
-                          <a:spcPts val="0"/>
-                        </a:spcAft>
-                      </a:pPr>
-                      <a:r>
-                        <a:rPr lang="en-US" sz="1800" dirty="0">
-                          <a:effectLst/>
-                        </a:rPr>
-                        <a:t>1) Collaborate with Business Stakeholders and Business Requirements Team to </a:t>
-                      </a:r>
-                      <a:r>
-                        <a:rPr lang="en-US" sz="1800" dirty="0" smtClean="0">
-                          <a:effectLst/>
-                        </a:rPr>
-                        <a:t> analyze </a:t>
-                      </a:r>
-                      <a:r>
-                        <a:rPr lang="en-US" sz="1800" dirty="0">
-                          <a:effectLst/>
-                        </a:rPr>
-                        <a:t>the Operations that are in the process of developing the Detailed </a:t>
-                      </a:r>
-                      <a:r>
-                        <a:rPr lang="en-US" sz="1800" dirty="0" smtClean="0">
-                          <a:effectLst/>
-                        </a:rPr>
-                        <a:t>Operational </a:t>
-                      </a:r>
-                      <a:r>
-                        <a:rPr lang="en-US" sz="1800" dirty="0">
-                          <a:effectLst/>
-                        </a:rPr>
-                        <a:t>Plans, including requirements, Business Process Models, and </a:t>
-                      </a:r>
-                      <a:r>
-                        <a:rPr lang="en-US" sz="1800" dirty="0" smtClean="0">
-                          <a:effectLst/>
-                        </a:rPr>
-                        <a:t> Integrated </a:t>
-                      </a:r>
-                      <a:r>
-                        <a:rPr lang="en-US" sz="1800" dirty="0">
-                          <a:effectLst/>
-                        </a:rPr>
-                        <a:t>Operation Diagrams. One venue is to participate in the IPT sessions. </a:t>
-                      </a:r>
-                      <a:br>
-                        <a:rPr lang="en-US" sz="1800" dirty="0">
-                          <a:effectLst/>
-                        </a:rPr>
-                      </a:br>
-                      <a:r>
-                        <a:rPr lang="en-US" sz="1800" dirty="0">
-                          <a:effectLst/>
-                        </a:rPr>
-                        <a:t>2) Identify solutions that are needed for new capabilities, by </a:t>
-                      </a:r>
-                      <a:r>
-                        <a:rPr lang="en-US" sz="1800" dirty="0" smtClean="0">
-                          <a:effectLst/>
-                        </a:rPr>
-                        <a:t>leveraging existing </a:t>
-                      </a:r>
-                      <a:r>
-                        <a:rPr lang="en-US" sz="1800" dirty="0">
-                          <a:effectLst/>
-                        </a:rPr>
-                        <a:t>systems, enhancing existing systems, or designing new systems, such</a:t>
-                      </a:r>
-                      <a:br>
-                        <a:rPr lang="en-US" sz="1800" dirty="0">
-                          <a:effectLst/>
-                        </a:rPr>
-                      </a:br>
-                      <a:r>
-                        <a:rPr lang="en-US" sz="1800" dirty="0">
-                          <a:effectLst/>
-                        </a:rPr>
-                        <a:t>as Island Areas, Coverage Measurement (CM), and Group Quarters (GQ), etc.</a:t>
-                      </a:r>
-                      <a:endParaRPr lang="zh-CN" sz="1800" dirty="0">
-                        <a:effectLst/>
-                        <a:latin typeface="Calibri"/>
-                        <a:ea typeface="宋体"/>
-                        <a:cs typeface="Times New Roman"/>
-                      </a:endParaRPr>
-                    </a:p>
-                  </a:txBody>
-                  <a:tcPr marL="46606" marR="46606" marT="0" marB="0"/>
-                </a:tc>
-              </a:tr>
-              <a:tr h="876679">
-                <a:tc>
-                  <a:txBody>
-                    <a:bodyPr/>
-                    <a:lstStyle/>
-                    <a:p>
-                      <a:pPr>
-                        <a:lnSpc>
-                          <a:spcPct val="115000"/>
-                        </a:lnSpc>
-                        <a:spcAft>
-                          <a:spcPts val="0"/>
-                        </a:spcAft>
-                      </a:pPr>
-                      <a:r>
-                        <a:rPr lang="en-US" sz="1800">
-                          <a:effectLst/>
-                        </a:rPr>
-                        <a:t>Disaster Recovery and COOP</a:t>
-                      </a:r>
-                      <a:endParaRPr lang="zh-CN" sz="1800">
-                        <a:effectLst/>
-                        <a:latin typeface="Calibri"/>
-                        <a:ea typeface="宋体"/>
-                        <a:cs typeface="Times New Roman"/>
-                      </a:endParaRPr>
-                    </a:p>
-                  </a:txBody>
-                  <a:tcPr marL="46606" marR="46606" marT="0" marB="0"/>
-                </a:tc>
-                <a:tc>
-                  <a:txBody>
-                    <a:bodyPr/>
-                    <a:lstStyle/>
-                    <a:p>
-                      <a:pPr>
-                        <a:lnSpc>
-                          <a:spcPct val="115000"/>
-                        </a:lnSpc>
-                        <a:spcAft>
-                          <a:spcPts val="0"/>
-                        </a:spcAft>
-                      </a:pPr>
-                      <a:r>
-                        <a:rPr lang="en-US" sz="1800" dirty="0">
-                          <a:effectLst/>
-                        </a:rPr>
-                        <a:t>Collaborate with the COOP Team to establish and analyze the COOP </a:t>
-                      </a:r>
-                      <a:r>
-                        <a:rPr lang="en-US" sz="1800" dirty="0" smtClean="0">
-                          <a:effectLst/>
-                        </a:rPr>
-                        <a:t>and ; </a:t>
-                      </a:r>
-                      <a:r>
-                        <a:rPr lang="en-US" sz="1800" dirty="0">
-                          <a:effectLst/>
-                        </a:rPr>
-                        <a:t>Disaster Recovery requirements</a:t>
-                      </a:r>
-                      <a:endParaRPr lang="zh-CN" sz="1800" dirty="0">
-                        <a:effectLst/>
-                        <a:latin typeface="Calibri"/>
-                        <a:ea typeface="宋体"/>
-                        <a:cs typeface="Times New Roman"/>
-                      </a:endParaRPr>
-                    </a:p>
-                  </a:txBody>
-                  <a:tcPr marL="46606" marR="46606" marT="0" marB="0"/>
-                </a:tc>
-              </a:tr>
-            </a:tbl>
-          </a:graphicData>
-        </a:graphic>
-      </p:graphicFrame>
-    </p:spTree>
-    <p:extLst>
-      <p:ext uri="{BB962C8B-B14F-4D97-AF65-F5344CB8AC3E}">
-        <p14:creationId xmlns:p14="http://schemas.microsoft.com/office/powerpoint/2010/main" val="766342733"/>
-      </p:ext>
-    </p:extLst>
-  </p:cSld>
-  <p:clrMapOvr>
-    <a:masterClrMapping/>
-  </p:clrMapOvr>
-  <p:timing>
-    <p:tnLst>
-      <p:par>
-        <p:cTn id="1" dur="indefinite" restart="never" nodeType="tmRoot"/>
-      </p:par>
-    </p:tnLst>
-  </p:timing>
-</p:sld>
-</file>
-
-<file path=ppt/slides/slide17.xml><?xml version="1.0" encoding="utf-8"?>
-<p:sld xmlns:a="http://schemas.openxmlformats.org/drawingml/2006/main" xmlns:r="http://schemas.openxmlformats.org/officeDocument/2006/relationships" xmlns:p="http://schemas.openxmlformats.org/presentationml/2006/main">
-  <p:cSld>
-    <p:spTree>
-      <p:nvGrpSpPr>
-        <p:cNvPr id="1" name=""/>
-        <p:cNvGrpSpPr/>
-        <p:nvPr/>
-      </p:nvGrpSpPr>
-      <p:grpSpPr>
-        <a:xfrm>
-          <a:off x="0" y="0"/>
-          <a:ext cx="0" cy="0"/>
-          <a:chOff x="0" y="0"/>
-          <a:chExt cx="0" cy="0"/>
-        </a:xfrm>
-      </p:grpSpPr>
-      <p:sp>
-        <p:nvSpPr>
-          <p:cNvPr id="2" name="标题 1"/>
-          <p:cNvSpPr>
-            <a:spLocks noGrp="1"/>
-          </p:cNvSpPr>
-          <p:nvPr>
-            <p:ph type="title"/>
-          </p:nvPr>
-        </p:nvSpPr>
-        <p:spPr/>
-        <p:txBody>
-          <a:bodyPr/>
-          <a:lstStyle/>
-          <a:p>
-            <a:r>
-              <a:rPr lang="en-US" altLang="zh-CN" dirty="0"/>
-              <a:t>Transition </a:t>
-            </a:r>
-            <a:r>
-              <a:rPr lang="en-US" altLang="zh-CN" dirty="0" smtClean="0"/>
-              <a:t>Approach(6)</a:t>
-            </a:r>
-            <a:endParaRPr lang="zh-CN" altLang="en-US" dirty="0"/>
-          </a:p>
-        </p:txBody>
-      </p:sp>
-      <p:graphicFrame>
-        <p:nvGraphicFramePr>
-          <p:cNvPr id="5" name="表格 4"/>
-          <p:cNvGraphicFramePr>
-            <a:graphicFrameLocks noGrp="1"/>
-          </p:cNvGraphicFramePr>
-          <p:nvPr>
-            <p:extLst>
-              <p:ext uri="{D42A27DB-BD31-4B8C-83A1-F6EECF244321}">
-                <p14:modId xmlns:p14="http://schemas.microsoft.com/office/powerpoint/2010/main" val="4260230853"/>
-              </p:ext>
-            </p:extLst>
-          </p:nvPr>
-        </p:nvGraphicFramePr>
-        <p:xfrm>
-          <a:off x="611560" y="1484784"/>
-          <a:ext cx="8136904" cy="3785616"/>
-        </p:xfrm>
-        <a:graphic>
-          <a:graphicData uri="http://schemas.openxmlformats.org/drawingml/2006/table">
-            <a:tbl>
-              <a:tblPr firstRow="1" firstCol="1" bandRow="1">
-                <a:tableStyleId>{5C22544A-7EE6-4342-B048-85BDC9FD1C3A}</a:tableStyleId>
-              </a:tblPr>
-              <a:tblGrid>
-                <a:gridCol w="1614873"/>
-                <a:gridCol w="6522031"/>
-              </a:tblGrid>
-              <a:tr h="0">
-                <a:tc>
-                  <a:txBody>
-                    <a:bodyPr/>
-                    <a:lstStyle/>
-                    <a:p>
-                      <a:pPr>
-                        <a:lnSpc>
-                          <a:spcPct val="115000"/>
-                        </a:lnSpc>
-                        <a:spcAft>
-                          <a:spcPts val="0"/>
-                        </a:spcAft>
-                      </a:pPr>
-                      <a:r>
-                        <a:rPr lang="en-US" sz="1800" dirty="0">
-                          <a:effectLst/>
-                        </a:rPr>
-                        <a:t>Activity</a:t>
-                      </a:r>
-                      <a:endParaRPr lang="zh-CN" sz="1800" dirty="0">
-                        <a:effectLst/>
-                        <a:latin typeface="Calibri"/>
-                        <a:ea typeface="宋体"/>
-                        <a:cs typeface="Times New Roman"/>
-                      </a:endParaRPr>
-                    </a:p>
-                  </a:txBody>
-                  <a:tcPr marL="46606" marR="46606" marT="0" marB="0"/>
-                </a:tc>
-                <a:tc>
-                  <a:txBody>
-                    <a:bodyPr/>
-                    <a:lstStyle/>
-                    <a:p>
-                      <a:pPr>
-                        <a:lnSpc>
-                          <a:spcPct val="115000"/>
-                        </a:lnSpc>
-                        <a:spcAft>
-                          <a:spcPts val="0"/>
-                        </a:spcAft>
-                      </a:pPr>
-                      <a:r>
-                        <a:rPr lang="en-US" sz="1800" dirty="0">
-                          <a:effectLst/>
-                        </a:rPr>
-                        <a:t>Description</a:t>
-                      </a:r>
-                      <a:endParaRPr lang="zh-CN" sz="1800" dirty="0">
-                        <a:effectLst/>
-                        <a:latin typeface="Calibri"/>
-                        <a:ea typeface="宋体"/>
-                        <a:cs typeface="Times New Roman"/>
-                      </a:endParaRPr>
-                    </a:p>
-                  </a:txBody>
-                  <a:tcPr marL="46606" marR="46606" marT="0" marB="0"/>
-                </a:tc>
-              </a:tr>
-              <a:tr h="0">
-                <a:tc>
-                  <a:txBody>
-                    <a:bodyPr/>
-                    <a:lstStyle/>
-                    <a:p>
-                      <a:pPr>
-                        <a:lnSpc>
-                          <a:spcPct val="115000"/>
-                        </a:lnSpc>
-                        <a:spcAft>
-                          <a:spcPts val="0"/>
-                        </a:spcAft>
-                      </a:pPr>
-                      <a:r>
-                        <a:rPr lang="en-US" sz="1800" dirty="0">
-                          <a:effectLst/>
-                        </a:rPr>
-                        <a:t>IT</a:t>
-                      </a:r>
-                      <a:br>
-                        <a:rPr lang="en-US" sz="1800" dirty="0">
-                          <a:effectLst/>
-                        </a:rPr>
-                      </a:br>
-                      <a:r>
-                        <a:rPr lang="en-US" sz="1800" dirty="0" smtClean="0">
-                          <a:effectLst/>
-                        </a:rPr>
-                        <a:t>Infrastructure Support</a:t>
-                      </a:r>
-                      <a:endParaRPr lang="zh-CN" sz="1800" dirty="0">
-                        <a:effectLst/>
-                        <a:latin typeface="Calibri"/>
-                        <a:ea typeface="宋体"/>
-                        <a:cs typeface="Times New Roman"/>
-                      </a:endParaRPr>
-                    </a:p>
-                  </a:txBody>
-                  <a:tcPr marL="68580" marR="68580" marT="0" marB="0"/>
-                </a:tc>
-                <a:tc>
-                  <a:txBody>
-                    <a:bodyPr/>
-                    <a:lstStyle/>
-                    <a:p>
-                      <a:pPr>
-                        <a:lnSpc>
-                          <a:spcPct val="115000"/>
-                        </a:lnSpc>
-                        <a:spcAft>
-                          <a:spcPts val="0"/>
-                        </a:spcAft>
-                      </a:pPr>
-                      <a:r>
-                        <a:rPr lang="en-US" sz="1800" dirty="0">
-                          <a:effectLst/>
-                        </a:rPr>
-                        <a:t>a) </a:t>
-                      </a:r>
-                      <a:r>
-                        <a:rPr lang="en-US" sz="1800" dirty="0" smtClean="0">
-                          <a:effectLst/>
-                        </a:rPr>
-                        <a:t> </a:t>
-                      </a:r>
-                      <a:r>
-                        <a:rPr lang="en-US" sz="1800" dirty="0">
-                          <a:effectLst/>
-                        </a:rPr>
-                        <a:t>Working Group established to design the IT Infrastructure, including Field </a:t>
-                      </a:r>
-                      <a:r>
-                        <a:rPr lang="en-US" sz="1800" dirty="0" smtClean="0">
-                          <a:effectLst/>
-                        </a:rPr>
-                        <a:t> offices</a:t>
-                      </a:r>
-                      <a:r>
-                        <a:rPr lang="en-US" sz="1800" dirty="0">
-                          <a:effectLst/>
-                        </a:rPr>
-                        <a:t>, in order to support the 2020 Census Operations and systems in </a:t>
-                      </a:r>
-                      <a:r>
-                        <a:rPr lang="en-US" sz="1800" dirty="0" smtClean="0">
-                          <a:effectLst/>
-                        </a:rPr>
-                        <a:t>terms </a:t>
-                      </a:r>
-                      <a:r>
-                        <a:rPr lang="en-US" sz="1800" dirty="0">
-                          <a:effectLst/>
-                        </a:rPr>
-                        <a:t>of capacity, scalability, reliability and system administration and </a:t>
-                      </a:r>
-                      <a:r>
-                        <a:rPr lang="en-US" sz="1800" dirty="0" smtClean="0">
-                          <a:effectLst/>
-                        </a:rPr>
-                        <a:t> monitoring</a:t>
-                      </a:r>
-                      <a:r>
-                        <a:rPr lang="en-US" sz="1800" dirty="0">
-                          <a:effectLst/>
-                        </a:rPr>
-                        <a:t>. </a:t>
-                      </a:r>
-                      <a:endParaRPr lang="zh-CN" sz="1800" dirty="0">
-                        <a:effectLst/>
-                      </a:endParaRPr>
-                    </a:p>
-                    <a:p>
-                      <a:pPr>
-                        <a:lnSpc>
-                          <a:spcPct val="115000"/>
-                        </a:lnSpc>
-                        <a:spcAft>
-                          <a:spcPts val="0"/>
-                        </a:spcAft>
-                      </a:pPr>
-                      <a:r>
-                        <a:rPr lang="en-US" sz="1800" dirty="0">
-                          <a:effectLst/>
-                        </a:rPr>
-                        <a:t>b) </a:t>
-                      </a:r>
-                      <a:r>
-                        <a:rPr lang="en-US" sz="1800" dirty="0" smtClean="0">
-                          <a:effectLst/>
-                        </a:rPr>
-                        <a:t>This </a:t>
-                      </a:r>
-                      <a:r>
-                        <a:rPr lang="en-US" sz="1800" dirty="0">
-                          <a:effectLst/>
-                        </a:rPr>
-                        <a:t>effort will include the analysis and design of a failover site for Disaster </a:t>
-                      </a:r>
-                      <a:r>
-                        <a:rPr lang="en-US" sz="1800" dirty="0" smtClean="0">
-                          <a:effectLst/>
-                        </a:rPr>
-                        <a:t>  Recovery </a:t>
-                      </a:r>
-                      <a:r>
-                        <a:rPr lang="en-US" sz="1800" dirty="0">
-                          <a:effectLst/>
-                        </a:rPr>
-                        <a:t>and COOP.  </a:t>
-                      </a:r>
-                      <a:endParaRPr lang="zh-CN" sz="1800" dirty="0">
-                        <a:effectLst/>
-                      </a:endParaRPr>
-                    </a:p>
-                    <a:p>
-                      <a:pPr>
-                        <a:lnSpc>
-                          <a:spcPct val="115000"/>
-                        </a:lnSpc>
-                        <a:spcAft>
-                          <a:spcPts val="0"/>
-                        </a:spcAft>
-                      </a:pPr>
-                      <a:r>
-                        <a:rPr lang="en-US" sz="1800" dirty="0">
-                          <a:effectLst/>
-                        </a:rPr>
-                        <a:t>c) </a:t>
-                      </a:r>
-                      <a:r>
-                        <a:rPr lang="en-US" sz="1800" dirty="0" smtClean="0">
-                          <a:effectLst/>
-                        </a:rPr>
-                        <a:t>Ensure </a:t>
-                      </a:r>
-                      <a:r>
-                        <a:rPr lang="en-US" sz="1800" dirty="0">
-                          <a:effectLst/>
-                        </a:rPr>
-                        <a:t>the readiness of IT Infrastructure by aligning the Census Test </a:t>
-                      </a:r>
-                      <a:r>
-                        <a:rPr lang="en-US" sz="1800" dirty="0" smtClean="0">
-                          <a:effectLst/>
-                        </a:rPr>
-                        <a:t>dates with </a:t>
-                      </a:r>
-                      <a:r>
-                        <a:rPr lang="en-US" sz="1800" dirty="0">
-                          <a:effectLst/>
-                        </a:rPr>
-                        <a:t>the Technology Refresh phases.</a:t>
-                      </a:r>
-                      <a:endParaRPr lang="zh-CN" sz="1800" dirty="0">
-                        <a:effectLst/>
-                        <a:latin typeface="Calibri"/>
-                        <a:ea typeface="宋体"/>
-                        <a:cs typeface="Times New Roman"/>
-                      </a:endParaRPr>
-                    </a:p>
-                  </a:txBody>
-                  <a:tcPr marL="68580" marR="68580" marT="0" marB="0"/>
-                </a:tc>
-              </a:tr>
-              <a:tr h="0">
-                <a:tc>
-                  <a:txBody>
-                    <a:bodyPr/>
-                    <a:lstStyle/>
-                    <a:p>
-                      <a:pPr>
-                        <a:lnSpc>
-                          <a:spcPct val="115000"/>
-                        </a:lnSpc>
-                        <a:spcAft>
-                          <a:spcPts val="0"/>
-                        </a:spcAft>
-                      </a:pPr>
-                      <a:r>
-                        <a:rPr lang="en-US" sz="1800">
-                          <a:effectLst/>
-                        </a:rPr>
-                        <a:t>Cloud</a:t>
-                      </a:r>
-                      <a:br>
-                        <a:rPr lang="en-US" sz="1800">
-                          <a:effectLst/>
-                        </a:rPr>
-                      </a:br>
-                      <a:r>
-                        <a:rPr lang="en-US" sz="1800">
-                          <a:effectLst/>
-                        </a:rPr>
-                        <a:t>Transition</a:t>
-                      </a:r>
-                      <a:endParaRPr lang="zh-CN" sz="1800">
-                        <a:effectLst/>
-                        <a:latin typeface="Calibri"/>
-                        <a:ea typeface="宋体"/>
-                        <a:cs typeface="Times New Roman"/>
-                      </a:endParaRPr>
-                    </a:p>
-                  </a:txBody>
-                  <a:tcPr marL="68580" marR="68580" marT="0" marB="0"/>
-                </a:tc>
-                <a:tc>
-                  <a:txBody>
-                    <a:bodyPr/>
-                    <a:lstStyle/>
-                    <a:p>
-                      <a:pPr>
-                        <a:lnSpc>
-                          <a:spcPct val="115000"/>
-                        </a:lnSpc>
-                        <a:spcAft>
-                          <a:spcPts val="0"/>
-                        </a:spcAft>
-                      </a:pPr>
-                      <a:r>
-                        <a:rPr lang="en-US" sz="1800" dirty="0">
-                          <a:effectLst/>
-                        </a:rPr>
-                        <a:t>Collaborate with Enterprise Services Framework Team and IT Divisions </a:t>
-                      </a:r>
-                      <a:r>
-                        <a:rPr lang="en-US" sz="1800" dirty="0" smtClean="0">
-                          <a:effectLst/>
-                        </a:rPr>
-                        <a:t>to establish </a:t>
-                      </a:r>
-                      <a:r>
-                        <a:rPr lang="en-US" sz="1800" dirty="0">
-                          <a:effectLst/>
-                        </a:rPr>
-                        <a:t>a systematic plan to transition suitable systems that support </a:t>
-                      </a:r>
-                      <a:r>
-                        <a:rPr lang="en-US" sz="1800" dirty="0" smtClean="0">
-                          <a:effectLst/>
-                        </a:rPr>
-                        <a:t>2020 Census </a:t>
-                      </a:r>
-                      <a:r>
-                        <a:rPr lang="en-US" sz="1800" dirty="0">
-                          <a:effectLst/>
-                        </a:rPr>
-                        <a:t>to the Cloud environment.</a:t>
-                      </a:r>
-                      <a:endParaRPr lang="zh-CN" sz="1800" dirty="0">
-                        <a:effectLst/>
-                        <a:latin typeface="Calibri"/>
-                        <a:ea typeface="宋体"/>
-                        <a:cs typeface="Times New Roman"/>
-                      </a:endParaRPr>
-                    </a:p>
-                  </a:txBody>
-                  <a:tcPr marL="68580" marR="68580" marT="0" marB="0"/>
-                </a:tc>
-              </a:tr>
-            </a:tbl>
-          </a:graphicData>
-        </a:graphic>
-      </p:graphicFrame>
-    </p:spTree>
-    <p:extLst>
-      <p:ext uri="{BB962C8B-B14F-4D97-AF65-F5344CB8AC3E}">
-        <p14:creationId xmlns:p14="http://schemas.microsoft.com/office/powerpoint/2010/main" val="2340955293"/>
-      </p:ext>
-    </p:extLst>
-  </p:cSld>
-  <p:clrMapOvr>
-    <a:masterClrMapping/>
-  </p:clrMapOvr>
-  <p:timing>
-    <p:tnLst>
-      <p:par>
-        <p:cTn id="1" dur="indefinite" restart="never" nodeType="tmRoot"/>
-      </p:par>
-    </p:tnLst>
-  </p:timing>
-</p:sld>
-</file>
-
-<file path=ppt/slides/slide18.xml><?xml version="1.0" encoding="utf-8"?>
-<p:sld xmlns:a="http://schemas.openxmlformats.org/drawingml/2006/main" xmlns:r="http://schemas.openxmlformats.org/officeDocument/2006/relationships" xmlns:p="http://schemas.openxmlformats.org/presentationml/2006/main">
-  <p:cSld>
-    <p:spTree>
-      <p:nvGrpSpPr>
-        <p:cNvPr id="1" name=""/>
-        <p:cNvGrpSpPr/>
-        <p:nvPr/>
-      </p:nvGrpSpPr>
-      <p:grpSpPr>
-        <a:xfrm>
-          <a:off x="0" y="0"/>
-          <a:ext cx="0" cy="0"/>
-          <a:chOff x="0" y="0"/>
-          <a:chExt cx="0" cy="0"/>
-        </a:xfrm>
-      </p:grpSpPr>
-      <p:sp>
-        <p:nvSpPr>
-          <p:cNvPr id="2" name="标题 1"/>
-          <p:cNvSpPr>
-            <a:spLocks noGrp="1"/>
-          </p:cNvSpPr>
-          <p:nvPr>
-            <p:ph type="title"/>
-          </p:nvPr>
-        </p:nvSpPr>
-        <p:spPr/>
-        <p:txBody>
           <a:bodyPr>
             <a:normAutofit fontScale="90000"/>
           </a:bodyPr>
@@ -5953,7 +4195,7 @@
 </p:sld>
 </file>
 
-<file path=ppt/slides/slide19.xml><?xml version="1.0" encoding="utf-8"?>
+<file path=ppt/slides/slide13.xml><?xml version="1.0" encoding="utf-8"?>
 <p:sld xmlns:a="http://schemas.openxmlformats.org/drawingml/2006/main" xmlns:r="http://schemas.openxmlformats.org/officeDocument/2006/relationships" xmlns:p="http://schemas.openxmlformats.org/presentationml/2006/main">
   <p:cSld>
     <p:spTree>
@@ -6129,97 +4371,7 @@
 </p:sld>
 </file>
 
-<file path=ppt/slides/slide2.xml><?xml version="1.0" encoding="utf-8"?>
-<p:sld xmlns:a="http://schemas.openxmlformats.org/drawingml/2006/main" xmlns:r="http://schemas.openxmlformats.org/officeDocument/2006/relationships" xmlns:p="http://schemas.openxmlformats.org/presentationml/2006/main">
-  <p:cSld>
-    <p:spTree>
-      <p:nvGrpSpPr>
-        <p:cNvPr id="1" name=""/>
-        <p:cNvGrpSpPr/>
-        <p:nvPr/>
-      </p:nvGrpSpPr>
-      <p:grpSpPr>
-        <a:xfrm>
-          <a:off x="0" y="0"/>
-          <a:ext cx="0" cy="0"/>
-          <a:chOff x="0" y="0"/>
-          <a:chExt cx="0" cy="0"/>
-        </a:xfrm>
-      </p:grpSpPr>
-      <p:sp>
-        <p:nvSpPr>
-          <p:cNvPr id="2" name="标题 1"/>
-          <p:cNvSpPr>
-            <a:spLocks noGrp="1"/>
-          </p:cNvSpPr>
-          <p:nvPr>
-            <p:ph type="ctrTitle"/>
-          </p:nvPr>
-        </p:nvSpPr>
-        <p:spPr>
-          <a:xfrm>
-            <a:off x="0" y="188641"/>
-            <a:ext cx="8892480" cy="5832648"/>
-          </a:xfrm>
-        </p:spPr>
-        <p:txBody>
-          <a:bodyPr>
-            <a:normAutofit/>
-          </a:bodyPr>
-          <a:lstStyle/>
-          <a:p>
-            <a:pPr algn="l"/>
-            <a:r>
-              <a:rPr lang="en-US" altLang="zh-CN" sz="3600" dirty="0" smtClean="0"/>
-              <a:t>1. </a:t>
-            </a:r>
-            <a:r>
-              <a:rPr lang="en-US" altLang="zh-CN" sz="3600" dirty="0" smtClean="0"/>
-              <a:t>Standards</a:t>
-            </a:r>
-            <a:r>
-              <a:rPr lang="en-US" altLang="zh-CN" sz="3600" smtClean="0"/>
-              <a:t/>
-            </a:r>
-            <a:br>
-              <a:rPr lang="en-US" altLang="zh-CN" sz="3600" smtClean="0"/>
-            </a:br>
-            <a:r>
-              <a:rPr lang="en-US" altLang="zh-CN" sz="3600" smtClean="0"/>
-              <a:t>2. </a:t>
-            </a:r>
-            <a:r>
-              <a:rPr lang="en-US" altLang="zh-CN" sz="3600" dirty="0" smtClean="0"/>
-              <a:t>Current Architecture VS Target Architecture</a:t>
-            </a:r>
-            <a:br>
-              <a:rPr lang="en-US" altLang="zh-CN" sz="3600" dirty="0" smtClean="0"/>
-            </a:br>
-            <a:endParaRPr lang="zh-CN" altLang="en-US" sz="3600" dirty="0"/>
-          </a:p>
-        </p:txBody>
-      </p:sp>
-    </p:spTree>
-    <p:extLst>
-      <p:ext uri="{BB962C8B-B14F-4D97-AF65-F5344CB8AC3E}">
-        <p14:creationId xmlns:p14="http://schemas.microsoft.com/office/powerpoint/2010/main" val="2498849040"/>
-      </p:ext>
-    </p:extLst>
-  </p:cSld>
-  <p:clrMapOvr>
-    <a:masterClrMapping/>
-  </p:clrMapOvr>
-  <p:timing>
-    <p:tnLst>
-      <p:par>
-        <p:cTn id="1" dur="indefinite" restart="never" nodeType="tmRoot"/>
-      </p:par>
-    </p:tnLst>
-  </p:timing>
-</p:sld>
-</file>
-
-<file path=ppt/slides/slide20.xml><?xml version="1.0" encoding="utf-8"?>
+<file path=ppt/slides/slide14.xml><?xml version="1.0" encoding="utf-8"?>
 <p:sld xmlns:a="http://schemas.openxmlformats.org/drawingml/2006/main" xmlns:r="http://schemas.openxmlformats.org/officeDocument/2006/relationships" xmlns:p="http://schemas.openxmlformats.org/presentationml/2006/main">
   <p:cSld>
     <p:spTree>
@@ -6400,7 +4552,7 @@
 </p:sld>
 </file>
 
-<file path=ppt/slides/slide21.xml><?xml version="1.0" encoding="utf-8"?>
+<file path=ppt/slides/slide15.xml><?xml version="1.0" encoding="utf-8"?>
 <p:sld xmlns:a="http://schemas.openxmlformats.org/drawingml/2006/main" xmlns:r="http://schemas.openxmlformats.org/officeDocument/2006/relationships" xmlns:p="http://schemas.openxmlformats.org/presentationml/2006/main">
   <p:cSld>
     <p:spTree>
@@ -6760,7 +4912,7 @@
 </p:sld>
 </file>
 
-<file path=ppt/slides/slide22.xml><?xml version="1.0" encoding="utf-8"?>
+<file path=ppt/slides/slide16.xml><?xml version="1.0" encoding="utf-8"?>
 <p:sld xmlns:a="http://schemas.openxmlformats.org/drawingml/2006/main" xmlns:r="http://schemas.openxmlformats.org/officeDocument/2006/relationships" xmlns:p="http://schemas.openxmlformats.org/presentationml/2006/main">
   <p:cSld>
     <p:spTree>
@@ -6876,7 +5028,7 @@
           <p:nvPr>
             <p:extLst>
               <p:ext uri="{D42A27DB-BD31-4B8C-83A1-F6EECF244321}">
-                <p14:modId xmlns:p14="http://schemas.microsoft.com/office/powerpoint/2010/main" val="2907589378"/>
+                <p14:modId xmlns:p14="http://schemas.microsoft.com/office/powerpoint/2010/main" val="3346161274"/>
               </p:ext>
             </p:extLst>
           </p:nvPr>
@@ -6944,7 +5096,7 @@
                     <a:p>
                       <a:r>
                         <a:rPr lang="en-US" altLang="zh-CN" dirty="0" smtClean="0"/>
-                        <a:t>goals</a:t>
+                        <a:t>Goal</a:t>
                       </a:r>
                       <a:endParaRPr lang="zh-CN" altLang="en-US" dirty="0"/>
                     </a:p>
@@ -6966,7 +5118,31 @@
                           <a:ea typeface="+mn-ea"/>
                           <a:cs typeface="+mn-cs"/>
                         </a:rPr>
-                        <a:t>Coverage Measurement was not a major focus </a:t>
+                        <a:t>Coverage </a:t>
+                      </a:r>
+                      <a:r>
+                        <a:rPr lang="en-US" altLang="zh-CN" sz="1800" b="0" i="0" kern="1200" dirty="0" smtClean="0">
+                          <a:solidFill>
+                            <a:schemeClr val="dk1"/>
+                          </a:solidFill>
+                          <a:effectLst/>
+                          <a:latin typeface="+mn-lt"/>
+                          <a:ea typeface="+mn-ea"/>
+                          <a:cs typeface="+mn-cs"/>
+                        </a:rPr>
+                        <a:t>measurement </a:t>
+                      </a:r>
+                      <a:r>
+                        <a:rPr lang="en-US" altLang="zh-CN" sz="1800" b="0" i="0" kern="1200" dirty="0" smtClean="0">
+                          <a:solidFill>
+                            <a:schemeClr val="dk1"/>
+                          </a:solidFill>
+                          <a:effectLst/>
+                          <a:latin typeface="+mn-lt"/>
+                          <a:ea typeface="+mn-ea"/>
+                          <a:cs typeface="+mn-cs"/>
+                        </a:rPr>
+                        <a:t>was not a major focus </a:t>
                       </a:r>
                       <a:r>
                         <a:rPr lang="en-US" altLang="zh-CN" dirty="0" smtClean="0"/>
@@ -7049,7 +5225,7 @@
 </p:sld>
 </file>
 
-<file path=ppt/slides/slide23.xml><?xml version="1.0" encoding="utf-8"?>
+<file path=ppt/slides/slide17.xml><?xml version="1.0" encoding="utf-8"?>
 <p:sld xmlns:a="http://schemas.openxmlformats.org/drawingml/2006/main" xmlns:r="http://schemas.openxmlformats.org/officeDocument/2006/relationships" xmlns:p="http://schemas.openxmlformats.org/presentationml/2006/main">
   <p:cSld>
     <p:spTree>
@@ -7113,6 +5289,92 @@
     <p:extLst>
       <p:ext uri="{BB962C8B-B14F-4D97-AF65-F5344CB8AC3E}">
         <p14:creationId xmlns:p14="http://schemas.microsoft.com/office/powerpoint/2010/main" val="1086925777"/>
+      </p:ext>
+    </p:extLst>
+  </p:cSld>
+  <p:clrMapOvr>
+    <a:masterClrMapping/>
+  </p:clrMapOvr>
+  <p:timing>
+    <p:tnLst>
+      <p:par>
+        <p:cTn id="1" dur="indefinite" restart="never" nodeType="tmRoot"/>
+      </p:par>
+    </p:tnLst>
+  </p:timing>
+</p:sld>
+</file>
+
+<file path=ppt/slides/slide2.xml><?xml version="1.0" encoding="utf-8"?>
+<p:sld xmlns:a="http://schemas.openxmlformats.org/drawingml/2006/main" xmlns:r="http://schemas.openxmlformats.org/officeDocument/2006/relationships" xmlns:p="http://schemas.openxmlformats.org/presentationml/2006/main">
+  <p:cSld>
+    <p:spTree>
+      <p:nvGrpSpPr>
+        <p:cNvPr id="1" name=""/>
+        <p:cNvGrpSpPr/>
+        <p:nvPr/>
+      </p:nvGrpSpPr>
+      <p:grpSpPr>
+        <a:xfrm>
+          <a:off x="0" y="0"/>
+          <a:ext cx="0" cy="0"/>
+          <a:chOff x="0" y="0"/>
+          <a:chExt cx="0" cy="0"/>
+        </a:xfrm>
+      </p:grpSpPr>
+      <p:sp>
+        <p:nvSpPr>
+          <p:cNvPr id="2" name="标题 1"/>
+          <p:cNvSpPr>
+            <a:spLocks noGrp="1"/>
+          </p:cNvSpPr>
+          <p:nvPr>
+            <p:ph type="ctrTitle"/>
+          </p:nvPr>
+        </p:nvSpPr>
+        <p:spPr>
+          <a:xfrm>
+            <a:off x="0" y="188641"/>
+            <a:ext cx="8892480" cy="5832648"/>
+          </a:xfrm>
+        </p:spPr>
+        <p:txBody>
+          <a:bodyPr>
+            <a:normAutofit/>
+          </a:bodyPr>
+          <a:lstStyle/>
+          <a:p>
+            <a:pPr algn="l"/>
+            <a:r>
+              <a:rPr lang="en-US" altLang="zh-CN" sz="3600" dirty="0" smtClean="0"/>
+              <a:t>1. Standards</a:t>
+            </a:r>
+            <a:r>
+              <a:rPr lang="en-US" altLang="zh-CN" sz="3600" smtClean="0"/>
+              <a:t/>
+            </a:r>
+            <a:br>
+              <a:rPr lang="en-US" altLang="zh-CN" sz="3600" smtClean="0"/>
+            </a:br>
+            <a:r>
+              <a:rPr lang="en-US" altLang="zh-CN" sz="3600" smtClean="0"/>
+              <a:t>2. </a:t>
+            </a:r>
+            <a:r>
+              <a:rPr lang="en-US" altLang="zh-CN" sz="3600" dirty="0" smtClean="0"/>
+              <a:t>Current Architecture VS Target Architecture</a:t>
+            </a:r>
+            <a:br>
+              <a:rPr lang="en-US" altLang="zh-CN" sz="3600" dirty="0" smtClean="0"/>
+            </a:br>
+            <a:endParaRPr lang="zh-CN" altLang="en-US" sz="3600" dirty="0"/>
+          </a:p>
+        </p:txBody>
+      </p:sp>
+    </p:spTree>
+    <p:extLst>
+      <p:ext uri="{BB962C8B-B14F-4D97-AF65-F5344CB8AC3E}">
+        <p14:creationId xmlns:p14="http://schemas.microsoft.com/office/powerpoint/2010/main" val="2498849040"/>
       </p:ext>
     </p:extLst>
   </p:cSld>
@@ -7202,12 +5464,8 @@
               <a:buChar char="Ø"/>
             </a:pPr>
             <a:r>
-              <a:rPr lang="en-US" altLang="zh-CN" sz="2800" dirty="0"/>
-              <a:t> </a:t>
-            </a:r>
-            <a:r>
               <a:rPr lang="en-US" altLang="zh-CN" sz="2200" dirty="0"/>
-              <a:t>IT infrastructure </a:t>
+              <a:t> IT infrastructure </a:t>
             </a:r>
             <a:r>
               <a:rPr lang="en-US" altLang="zh-CN" sz="2200" dirty="0" smtClean="0"/>
@@ -8040,7 +6298,15 @@
             </a:r>
             <a:r>
               <a:rPr lang="en-US" altLang="zh-CN" sz="2200" dirty="0"/>
-              <a:t>Quality- ensures the overall Census Count is accurate. </a:t>
+              <a:t>Quality- </a:t>
+            </a:r>
+            <a:r>
+              <a:rPr lang="en-US" altLang="zh-CN" sz="2200" dirty="0" smtClean="0"/>
+              <a:t>Ensures </a:t>
+            </a:r>
+            <a:r>
+              <a:rPr lang="en-US" altLang="zh-CN" sz="2200" dirty="0"/>
+              <a:t>the overall Census Count is accurate. </a:t>
             </a:r>
             <a:endParaRPr lang="en-US" altLang="zh-CN" sz="2200" dirty="0" smtClean="0"/>
           </a:p>
@@ -8055,7 +6321,15 @@
             </a:r>
             <a:r>
               <a:rPr lang="en-US" altLang="zh-CN" sz="2200" dirty="0"/>
-              <a:t>Quality - ensures higher-quality data capture via entry by human or machine (e.g. scanning solution), or via interfacing with other internal and external systems. </a:t>
+              <a:t>Quality - </a:t>
+            </a:r>
+            <a:r>
+              <a:rPr lang="en-US" altLang="zh-CN" sz="2200" dirty="0" smtClean="0"/>
+              <a:t>Ensures </a:t>
+            </a:r>
+            <a:r>
+              <a:rPr lang="en-US" altLang="zh-CN" sz="2200" dirty="0"/>
+              <a:t>higher-quality data capture via entry by human or machine (e.g. scanning solution), or via interfacing with other internal and external systems. </a:t>
             </a:r>
           </a:p>
           <a:p>
@@ -8832,32 +7106,10 @@
             <a:endParaRPr lang="en-US" altLang="zh-CN" sz="2200" dirty="0" smtClean="0"/>
           </a:p>
           <a:p>
-            <a:pPr>
-              <a:buFont typeface="Wingdings" panose="05000000000000000000" pitchFamily="2" charset="2"/>
-              <a:buChar char="u"/>
+            <a:pPr marL="0" indent="0">
+              <a:buNone/>
             </a:pPr>
             <a:endParaRPr lang="en-US" altLang="zh-CN" sz="2200" dirty="0"/>
-          </a:p>
-          <a:p>
-            <a:pPr marL="0" indent="0" algn="ctr">
-              <a:buNone/>
-            </a:pPr>
-            <a:r>
-              <a:rPr lang="en-US" altLang="zh-CN" sz="2200" dirty="0" smtClean="0"/>
-              <a:t>Figure 2.Quality </a:t>
-            </a:r>
-            <a:r>
-              <a:rPr lang="en-US" altLang="zh-CN" sz="2200" dirty="0"/>
-              <a:t>Aspects vs. Expanding Capabilities and Solutions</a:t>
-            </a:r>
-            <a:endParaRPr lang="en-US" altLang="zh-CN" sz="2200" dirty="0" smtClean="0"/>
-          </a:p>
-          <a:p>
-            <a:pPr>
-              <a:buFont typeface="Wingdings" panose="05000000000000000000" pitchFamily="2" charset="2"/>
-              <a:buChar char="u"/>
-            </a:pPr>
-            <a:endParaRPr lang="zh-CN" altLang="en-US" sz="2200" dirty="0"/>
           </a:p>
         </p:txBody>
       </p:sp>

--- a/INFS 774 Junxiang Technical Architecture.pptx
+++ b/INFS 774 Junxiang Technical Architecture.pptx
@@ -208,7 +208,7 @@
           <a:p>
             <a:fld id="{F357FC16-C73D-4B99-A4D6-E502F96F582E}" type="datetimeFigureOut">
               <a:rPr lang="zh-CN" altLang="en-US" smtClean="0"/>
-              <a:t>2017/4/30</a:t>
+              <a:t>2017/5/1</a:t>
             </a:fld>
             <a:endParaRPr lang="zh-CN" altLang="en-US"/>
           </a:p>
@@ -657,7 +657,7 @@
           <a:p>
             <a:fld id="{262F6674-346F-4DE7-A726-4E66B993764C}" type="datetimeFigureOut">
               <a:rPr lang="zh-CN" altLang="en-US" smtClean="0"/>
-              <a:t>2017/4/30</a:t>
+              <a:t>2017/5/1</a:t>
             </a:fld>
             <a:endParaRPr lang="zh-CN" altLang="en-US"/>
           </a:p>
@@ -827,7 +827,7 @@
           <a:p>
             <a:fld id="{262F6674-346F-4DE7-A726-4E66B993764C}" type="datetimeFigureOut">
               <a:rPr lang="zh-CN" altLang="en-US" smtClean="0"/>
-              <a:t>2017/4/30</a:t>
+              <a:t>2017/5/1</a:t>
             </a:fld>
             <a:endParaRPr lang="zh-CN" altLang="en-US"/>
           </a:p>
@@ -1007,7 +1007,7 @@
           <a:p>
             <a:fld id="{262F6674-346F-4DE7-A726-4E66B993764C}" type="datetimeFigureOut">
               <a:rPr lang="zh-CN" altLang="en-US" smtClean="0"/>
-              <a:t>2017/4/30</a:t>
+              <a:t>2017/5/1</a:t>
             </a:fld>
             <a:endParaRPr lang="zh-CN" altLang="en-US"/>
           </a:p>
@@ -1177,7 +1177,7 @@
           <a:p>
             <a:fld id="{262F6674-346F-4DE7-A726-4E66B993764C}" type="datetimeFigureOut">
               <a:rPr lang="zh-CN" altLang="en-US" smtClean="0"/>
-              <a:t>2017/4/30</a:t>
+              <a:t>2017/5/1</a:t>
             </a:fld>
             <a:endParaRPr lang="zh-CN" altLang="en-US"/>
           </a:p>
@@ -1423,7 +1423,7 @@
           <a:p>
             <a:fld id="{262F6674-346F-4DE7-A726-4E66B993764C}" type="datetimeFigureOut">
               <a:rPr lang="zh-CN" altLang="en-US" smtClean="0"/>
-              <a:t>2017/4/30</a:t>
+              <a:t>2017/5/1</a:t>
             </a:fld>
             <a:endParaRPr lang="zh-CN" altLang="en-US"/>
           </a:p>
@@ -1711,7 +1711,7 @@
           <a:p>
             <a:fld id="{262F6674-346F-4DE7-A726-4E66B993764C}" type="datetimeFigureOut">
               <a:rPr lang="zh-CN" altLang="en-US" smtClean="0"/>
-              <a:t>2017/4/30</a:t>
+              <a:t>2017/5/1</a:t>
             </a:fld>
             <a:endParaRPr lang="zh-CN" altLang="en-US"/>
           </a:p>
@@ -2133,7 +2133,7 @@
           <a:p>
             <a:fld id="{262F6674-346F-4DE7-A726-4E66B993764C}" type="datetimeFigureOut">
               <a:rPr lang="zh-CN" altLang="en-US" smtClean="0"/>
-              <a:t>2017/4/30</a:t>
+              <a:t>2017/5/1</a:t>
             </a:fld>
             <a:endParaRPr lang="zh-CN" altLang="en-US"/>
           </a:p>
@@ -2251,7 +2251,7 @@
           <a:p>
             <a:fld id="{262F6674-346F-4DE7-A726-4E66B993764C}" type="datetimeFigureOut">
               <a:rPr lang="zh-CN" altLang="en-US" smtClean="0"/>
-              <a:t>2017/4/30</a:t>
+              <a:t>2017/5/1</a:t>
             </a:fld>
             <a:endParaRPr lang="zh-CN" altLang="en-US"/>
           </a:p>
@@ -2346,7 +2346,7 @@
           <a:p>
             <a:fld id="{262F6674-346F-4DE7-A726-4E66B993764C}" type="datetimeFigureOut">
               <a:rPr lang="zh-CN" altLang="en-US" smtClean="0"/>
-              <a:t>2017/4/30</a:t>
+              <a:t>2017/5/1</a:t>
             </a:fld>
             <a:endParaRPr lang="zh-CN" altLang="en-US"/>
           </a:p>
@@ -2623,7 +2623,7 @@
           <a:p>
             <a:fld id="{262F6674-346F-4DE7-A726-4E66B993764C}" type="datetimeFigureOut">
               <a:rPr lang="zh-CN" altLang="en-US" smtClean="0"/>
-              <a:t>2017/4/30</a:t>
+              <a:t>2017/5/1</a:t>
             </a:fld>
             <a:endParaRPr lang="zh-CN" altLang="en-US"/>
           </a:p>
@@ -2876,7 +2876,7 @@
           <a:p>
             <a:fld id="{262F6674-346F-4DE7-A726-4E66B993764C}" type="datetimeFigureOut">
               <a:rPr lang="zh-CN" altLang="en-US" smtClean="0"/>
-              <a:t>2017/4/30</a:t>
+              <a:t>2017/5/1</a:t>
             </a:fld>
             <a:endParaRPr lang="zh-CN" altLang="en-US"/>
           </a:p>
@@ -3094,7 +3094,7 @@
           <a:p>
             <a:fld id="{262F6674-346F-4DE7-A726-4E66B993764C}" type="datetimeFigureOut">
               <a:rPr lang="zh-CN" altLang="en-US" smtClean="0"/>
-              <a:t>2017/4/30</a:t>
+              <a:t>2017/5/1</a:t>
             </a:fld>
             <a:endParaRPr lang="zh-CN" altLang="en-US"/>
           </a:p>
@@ -3642,8 +3642,12 @@
           <a:lstStyle/>
           <a:p>
             <a:r>
+              <a:rPr lang="en-US" altLang="zh-CN" dirty="0"/>
+              <a:t>Quality </a:t>
+            </a:r>
+            <a:r>
               <a:rPr lang="en-US" altLang="zh-CN" dirty="0" smtClean="0"/>
-              <a:t>Standards(8)</a:t>
+              <a:t>Measurements(5)</a:t>
             </a:r>
             <a:endParaRPr lang="zh-CN" altLang="en-US" dirty="0"/>
           </a:p>
@@ -3799,8 +3803,12 @@
           <a:lstStyle/>
           <a:p>
             <a:r>
+              <a:rPr lang="en-US" altLang="zh-CN" dirty="0"/>
+              <a:t>Quality </a:t>
+            </a:r>
+            <a:r>
               <a:rPr lang="en-US" altLang="zh-CN" dirty="0" smtClean="0"/>
-              <a:t>Standards(9)</a:t>
+              <a:t>Measurements(6)</a:t>
             </a:r>
             <a:endParaRPr lang="zh-CN" altLang="en-US" dirty="0"/>
           </a:p>
@@ -4475,11 +4483,15 @@
             </a:r>
             <a:r>
               <a:rPr lang="en-US" altLang="zh-CN" sz="1900" dirty="0"/>
-              <a:t>Technical reference model for the current </a:t>
-            </a:r>
-            <a:r>
-              <a:rPr lang="en-US" altLang="zh-CN" sz="1900" dirty="0" smtClean="0"/>
-              <a:t>infrastructure </a:t>
+              <a:t>Technical reference model for </a:t>
+            </a:r>
+            <a:r>
+              <a:rPr lang="en-US" altLang="zh-CN" sz="1900"/>
+              <a:t>the </a:t>
+            </a:r>
+            <a:r>
+              <a:rPr lang="en-US" altLang="zh-CN" sz="1900" smtClean="0"/>
+              <a:t>target infrastructure </a:t>
             </a:r>
             <a:r>
               <a:rPr lang="en-US" altLang="zh-CN" sz="1900" dirty="0"/>
@@ -5118,31 +5130,7 @@
                           <a:ea typeface="+mn-ea"/>
                           <a:cs typeface="+mn-cs"/>
                         </a:rPr>
-                        <a:t>Coverage </a:t>
-                      </a:r>
-                      <a:r>
-                        <a:rPr lang="en-US" altLang="zh-CN" sz="1800" b="0" i="0" kern="1200" dirty="0" smtClean="0">
-                          <a:solidFill>
-                            <a:schemeClr val="dk1"/>
-                          </a:solidFill>
-                          <a:effectLst/>
-                          <a:latin typeface="+mn-lt"/>
-                          <a:ea typeface="+mn-ea"/>
-                          <a:cs typeface="+mn-cs"/>
-                        </a:rPr>
-                        <a:t>measurement </a:t>
-                      </a:r>
-                      <a:r>
-                        <a:rPr lang="en-US" altLang="zh-CN" sz="1800" b="0" i="0" kern="1200" dirty="0" smtClean="0">
-                          <a:solidFill>
-                            <a:schemeClr val="dk1"/>
-                          </a:solidFill>
-                          <a:effectLst/>
-                          <a:latin typeface="+mn-lt"/>
-                          <a:ea typeface="+mn-ea"/>
-                          <a:cs typeface="+mn-cs"/>
-                        </a:rPr>
-                        <a:t>was not a major focus </a:t>
+                        <a:t>Coverage measurement was not a major focus </a:t>
                       </a:r>
                       <a:r>
                         <a:rPr lang="en-US" altLang="zh-CN" dirty="0" smtClean="0"/>
@@ -5347,18 +5335,33 @@
             <a:pPr algn="l"/>
             <a:r>
               <a:rPr lang="en-US" altLang="zh-CN" sz="3600" dirty="0" smtClean="0"/>
-              <a:t>1. Standards</a:t>
-            </a:r>
-            <a:r>
-              <a:rPr lang="en-US" altLang="zh-CN" sz="3600" smtClean="0"/>
+              <a:t>1. Service Oriented Architecture</a:t>
+            </a:r>
+            <a:r>
+              <a:rPr lang="en-US" altLang="zh-CN" sz="3600" dirty="0" smtClean="0"/>
               <a:t/>
             </a:r>
             <a:br>
-              <a:rPr lang="en-US" altLang="zh-CN" sz="3600" smtClean="0"/>
+              <a:rPr lang="en-US" altLang="zh-CN" sz="3600" dirty="0" smtClean="0"/>
             </a:br>
             <a:r>
-              <a:rPr lang="en-US" altLang="zh-CN" sz="3600" smtClean="0"/>
+              <a:rPr lang="en-US" altLang="zh-CN" sz="3600" dirty="0" smtClean="0"/>
               <a:t>2. </a:t>
+            </a:r>
+            <a:r>
+              <a:rPr lang="en-US" altLang="zh-CN" sz="3600" dirty="0" smtClean="0"/>
+              <a:t>Quality Measurements</a:t>
+            </a:r>
+            <a:r>
+              <a:rPr lang="en-US" altLang="zh-CN" sz="3600" dirty="0" smtClean="0"/>
+              <a:t/>
+            </a:r>
+            <a:br>
+              <a:rPr lang="en-US" altLang="zh-CN" sz="3600" dirty="0" smtClean="0"/>
+            </a:br>
+            <a:r>
+              <a:rPr lang="en-US" altLang="zh-CN" sz="3600" dirty="0" smtClean="0"/>
+              <a:t>3. </a:t>
             </a:r>
             <a:r>
               <a:rPr lang="en-US" altLang="zh-CN" sz="3600" dirty="0" smtClean="0"/>
@@ -5424,8 +5427,12 @@
           <a:lstStyle/>
           <a:p>
             <a:r>
+              <a:rPr lang="en-US" altLang="zh-CN" dirty="0"/>
+              <a:t>Service Oriented </a:t>
+            </a:r>
+            <a:r>
               <a:rPr lang="en-US" altLang="zh-CN" dirty="0" smtClean="0"/>
-              <a:t>Standards(1)</a:t>
+              <a:t>Architecture(1)</a:t>
             </a:r>
             <a:endParaRPr lang="zh-CN" altLang="en-US" dirty="0"/>
           </a:p>
@@ -5454,39 +5461,15 @@
           <a:lstStyle/>
           <a:p>
             <a:r>
+              <a:rPr lang="en-US" altLang="zh-CN" dirty="0" smtClean="0"/>
+              <a:t>Service </a:t>
+            </a:r>
+            <a:r>
               <a:rPr lang="en-US" altLang="zh-CN" dirty="0"/>
-              <a:t>IT Infrastructure</a:t>
-            </a:r>
-          </a:p>
-          <a:p>
-            <a:pPr>
-              <a:buFont typeface="Wingdings" panose="05000000000000000000" pitchFamily="2" charset="2"/>
-              <a:buChar char="Ø"/>
-            </a:pPr>
-            <a:r>
-              <a:rPr lang="en-US" altLang="zh-CN" sz="2200" dirty="0"/>
-              <a:t> IT infrastructure </a:t>
-            </a:r>
-            <a:r>
-              <a:rPr lang="en-US" altLang="zh-CN" sz="2200" dirty="0" smtClean="0"/>
-              <a:t>is a </a:t>
-            </a:r>
-            <a:r>
-              <a:rPr lang="en-US" altLang="zh-CN" sz="2200" dirty="0"/>
-              <a:t>combination of tools and methods such as hardware and software to help to develop, deliver and test IT services.</a:t>
-            </a:r>
-          </a:p>
-          <a:p>
-            <a:pPr>
-              <a:buFont typeface="Wingdings" panose="05000000000000000000" pitchFamily="2" charset="2"/>
-              <a:buChar char="Ø"/>
-            </a:pPr>
-            <a:r>
-              <a:rPr lang="en-US" altLang="zh-CN" sz="2200" dirty="0"/>
-              <a:t> Service Oriented Architecture (SOA</a:t>
-            </a:r>
-            <a:r>
-              <a:rPr lang="en-US" altLang="zh-CN" sz="2200" dirty="0" smtClean="0"/>
+              <a:t>Oriented Architecture (SOA</a:t>
+            </a:r>
+            <a:r>
+              <a:rPr lang="en-US" altLang="zh-CN" dirty="0" smtClean="0"/>
               <a:t>)</a:t>
             </a:r>
           </a:p>
@@ -5636,8 +5619,12 @@
           <a:lstStyle/>
           <a:p>
             <a:r>
+              <a:rPr lang="en-US" altLang="zh-CN" dirty="0"/>
+              <a:t>Service Oriented </a:t>
+            </a:r>
+            <a:r>
               <a:rPr lang="en-US" altLang="zh-CN" dirty="0" smtClean="0"/>
-              <a:t>Standards(2)</a:t>
+              <a:t>Architecture(2)</a:t>
             </a:r>
             <a:endParaRPr lang="zh-CN" altLang="en-US" dirty="0"/>
           </a:p>
@@ -5883,8 +5870,12 @@
           <a:lstStyle/>
           <a:p>
             <a:r>
+              <a:rPr lang="en-US" altLang="zh-CN" dirty="0"/>
+              <a:t>Service Oriented </a:t>
+            </a:r>
+            <a:r>
               <a:rPr lang="en-US" altLang="zh-CN" dirty="0" smtClean="0"/>
-              <a:t>Standards(3)</a:t>
+              <a:t>Architecture(3)</a:t>
             </a:r>
             <a:endParaRPr lang="zh-CN" altLang="en-US" dirty="0"/>
           </a:p>
@@ -6206,8 +6197,12 @@
           <a:lstStyle/>
           <a:p>
             <a:r>
+              <a:rPr lang="en-US" altLang="zh-CN" dirty="0"/>
+              <a:t>Quality </a:t>
+            </a:r>
+            <a:r>
               <a:rPr lang="en-US" altLang="zh-CN" dirty="0" smtClean="0"/>
-              <a:t>Standards(4)</a:t>
+              <a:t>Measurements(1)</a:t>
             </a:r>
             <a:endParaRPr lang="zh-CN" altLang="en-US" dirty="0"/>
           </a:p>
@@ -6401,8 +6396,12 @@
           <a:lstStyle/>
           <a:p>
             <a:r>
+              <a:rPr lang="en-US" altLang="zh-CN" dirty="0"/>
+              <a:t>Quality </a:t>
+            </a:r>
+            <a:r>
               <a:rPr lang="en-US" altLang="zh-CN" dirty="0" smtClean="0"/>
-              <a:t>Standards(5)</a:t>
+              <a:t>Measurements(2)</a:t>
             </a:r>
             <a:endParaRPr lang="zh-CN" altLang="en-US" dirty="0"/>
           </a:p>
@@ -7166,8 +7165,12 @@
           <a:lstStyle/>
           <a:p>
             <a:r>
+              <a:rPr lang="en-US" altLang="zh-CN" dirty="0"/>
+              <a:t>Quality </a:t>
+            </a:r>
+            <a:r>
               <a:rPr lang="en-US" altLang="zh-CN" dirty="0" smtClean="0"/>
-              <a:t>Standards(6)</a:t>
+              <a:t>Measurements(3)</a:t>
             </a:r>
             <a:endParaRPr lang="zh-CN" altLang="en-US" dirty="0"/>
           </a:p>
@@ -7345,8 +7348,12 @@
           <a:lstStyle/>
           <a:p>
             <a:r>
+              <a:rPr lang="en-US" altLang="zh-CN" dirty="0"/>
+              <a:t>Quality </a:t>
+            </a:r>
+            <a:r>
               <a:rPr lang="en-US" altLang="zh-CN" dirty="0" smtClean="0"/>
-              <a:t>Standards(7)</a:t>
+              <a:t>Measurements(4)</a:t>
             </a:r>
             <a:endParaRPr lang="zh-CN" altLang="en-US" dirty="0"/>
           </a:p>
